--- a/Presentación Sem 7 - 2011.2/Presentación Final v1.0.pptx
+++ b/Presentación Sem 7 - 2011.2/Presentación Final v1.0.pptx
@@ -8641,81 +8641,6 @@
         </a:p>
       </dgm:t>
     </dgm:pt>
-    <dgm:pt modelId="{EF01B2C3-9973-4A92-83BA-1413B5B39DC9}">
-      <dgm:prSet phldrT="[Texto]"/>
-      <dgm:spPr/>
-      <dgm:t>
-        <a:bodyPr/>
-        <a:lstStyle/>
-        <a:p>
-          <a:r>
-            <a:rPr lang="es-PE" b="1" dirty="0" smtClean="0"/>
-            <a:t>OE3.</a:t>
-          </a:r>
-          <a:endParaRPr lang="es-PE" b="1" dirty="0"/>
-        </a:p>
-      </dgm:t>
-    </dgm:pt>
-    <dgm:pt modelId="{8A232DB4-78CC-44E4-A8FB-B9543C236198}" type="parTrans" cxnId="{3C3577A6-14B1-4D73-896C-FBD9C26C902A}">
-      <dgm:prSet/>
-      <dgm:spPr/>
-      <dgm:t>
-        <a:bodyPr/>
-        <a:lstStyle/>
-        <a:p>
-          <a:endParaRPr lang="es-PE"/>
-        </a:p>
-      </dgm:t>
-    </dgm:pt>
-    <dgm:pt modelId="{665FBDE9-31CC-48F2-B9FD-A59C6B418028}" type="sibTrans" cxnId="{3C3577A6-14B1-4D73-896C-FBD9C26C902A}">
-      <dgm:prSet/>
-      <dgm:spPr/>
-      <dgm:t>
-        <a:bodyPr/>
-        <a:lstStyle/>
-        <a:p>
-          <a:endParaRPr lang="es-PE"/>
-        </a:p>
-      </dgm:t>
-    </dgm:pt>
-    <dgm:pt modelId="{1A7FD18F-B1C8-4C57-B8C0-BE1BC12C4230}">
-      <dgm:prSet phldrT="[Texto]" custT="1"/>
-      <dgm:spPr/>
-      <dgm:t>
-        <a:bodyPr/>
-        <a:lstStyle/>
-        <a:p>
-          <a:pPr algn="ctr"/>
-          <a:r>
-            <a:rPr lang="es-ES" sz="1200" dirty="0" smtClean="0"/>
-            <a:t>Integrar los nuevos procesos definidos con los que fueron desarrollados en el Proyecto de Tesis “Modelo de Negocios Empresarial de la Oficina Central Fe y Alegría”.</a:t>
-          </a:r>
-          <a:endParaRPr lang="es-PE" sz="1200" dirty="0"/>
-        </a:p>
-      </dgm:t>
-    </dgm:pt>
-    <dgm:pt modelId="{2E77CE5D-0CEB-42F2-89EA-3E918872B3DC}" type="parTrans" cxnId="{A416ED6A-9FC1-4E02-BD3D-6AB1401E1EE4}">
-      <dgm:prSet/>
-      <dgm:spPr/>
-      <dgm:t>
-        <a:bodyPr/>
-        <a:lstStyle/>
-        <a:p>
-          <a:endParaRPr lang="es-PE"/>
-        </a:p>
-      </dgm:t>
-    </dgm:pt>
-    <dgm:pt modelId="{22E7F094-5C7B-4C90-90E4-CCC8A8E5D74E}" type="sibTrans" cxnId="{A416ED6A-9FC1-4E02-BD3D-6AB1401E1EE4}">
-      <dgm:prSet/>
-      <dgm:spPr/>
-      <dgm:t>
-        <a:bodyPr/>
-        <a:lstStyle/>
-        <a:p>
-          <a:endParaRPr lang="es-PE"/>
-        </a:p>
-      </dgm:t>
-    </dgm:pt>
     <dgm:pt modelId="{5885A5C4-3C2F-45E7-8FDF-08267A4424FC}">
       <dgm:prSet phldrT="[Texto]"/>
       <dgm:spPr/>
@@ -8725,7 +8650,7 @@
         <a:p>
           <a:r>
             <a:rPr lang="es-PE" b="1" dirty="0" smtClean="0"/>
-            <a:t>OE4.</a:t>
+            <a:t>OE5.</a:t>
           </a:r>
           <a:endParaRPr lang="es-PE" b="1" dirty="0"/>
         </a:p>
@@ -8791,6 +8716,156 @@
         </a:p>
       </dgm:t>
     </dgm:pt>
+    <dgm:pt modelId="{3C242284-50C7-4B9D-A866-0CF057E23FB1}">
+      <dgm:prSet phldrT="[Texto]" custT="1"/>
+      <dgm:spPr/>
+      <dgm:t>
+        <a:bodyPr/>
+        <a:lstStyle/>
+        <a:p>
+          <a:pPr algn="l"/>
+          <a:r>
+            <a:rPr lang="es-PE" sz="1600" b="1" dirty="0" smtClean="0"/>
+            <a:t>OE3.</a:t>
+          </a:r>
+          <a:endParaRPr lang="es-PE" sz="1600" b="1" dirty="0"/>
+        </a:p>
+      </dgm:t>
+    </dgm:pt>
+    <dgm:pt modelId="{7F4B0401-3D50-4529-80A3-9173F737A4E4}" type="parTrans" cxnId="{A6CA14D9-E28D-4656-9850-FF658776B098}">
+      <dgm:prSet/>
+      <dgm:spPr/>
+      <dgm:t>
+        <a:bodyPr/>
+        <a:lstStyle/>
+        <a:p>
+          <a:endParaRPr lang="es-PE"/>
+        </a:p>
+      </dgm:t>
+    </dgm:pt>
+    <dgm:pt modelId="{C850BB20-CD5D-409B-8DF8-9BF0B1D4CA86}" type="sibTrans" cxnId="{A6CA14D9-E28D-4656-9850-FF658776B098}">
+      <dgm:prSet/>
+      <dgm:spPr/>
+      <dgm:t>
+        <a:bodyPr/>
+        <a:lstStyle/>
+        <a:p>
+          <a:endParaRPr lang="es-PE"/>
+        </a:p>
+      </dgm:t>
+    </dgm:pt>
+    <dgm:pt modelId="{630B9A79-0F13-4A68-83A2-350249367D77}">
+      <dgm:prSet phldrT="[Texto]" custT="1"/>
+      <dgm:spPr/>
+      <dgm:t>
+        <a:bodyPr/>
+        <a:lstStyle/>
+        <a:p>
+          <a:pPr algn="ctr"/>
+          <a:r>
+            <a:rPr lang="es-PE" sz="1200" dirty="0" smtClean="0"/>
+            <a:t>Modificar los procesos que se relacionen con los realizados por el Dpto. de Administración y a la Oficina de Coordinación de Programas Educativos Rurales, que pertenezcan a los Macroprocesos de Planificación; Gestión de Imagen Institucional y Donaciones;  Gestión de Proyectos; Gestión de Aseguramiento de la Calidad Educativa; y Gestión de Orientación Pastoral, desarrollados en el Proyecto de Tesis “Modelo de Negocios Empresarial de la Oficina Central Fe y Alegría”.</a:t>
+          </a:r>
+          <a:endParaRPr lang="es-PE" sz="1200" dirty="0"/>
+        </a:p>
+      </dgm:t>
+    </dgm:pt>
+    <dgm:pt modelId="{C3353706-B7B1-4052-B5A6-D61F90EE0716}" type="parTrans" cxnId="{381C926D-8793-41D5-A255-A0790C888E94}">
+      <dgm:prSet/>
+      <dgm:spPr/>
+      <dgm:t>
+        <a:bodyPr/>
+        <a:lstStyle/>
+        <a:p>
+          <a:endParaRPr lang="es-PE"/>
+        </a:p>
+      </dgm:t>
+    </dgm:pt>
+    <dgm:pt modelId="{FFF017B8-5201-452A-A410-AAD1AFAC21F7}" type="sibTrans" cxnId="{381C926D-8793-41D5-A255-A0790C888E94}">
+      <dgm:prSet/>
+      <dgm:spPr/>
+      <dgm:t>
+        <a:bodyPr/>
+        <a:lstStyle/>
+        <a:p>
+          <a:endParaRPr lang="es-PE"/>
+        </a:p>
+      </dgm:t>
+    </dgm:pt>
+    <dgm:pt modelId="{222CCE41-CD7C-4A1C-A492-1640D38FB7C9}">
+      <dgm:prSet phldrT="[Texto]"/>
+      <dgm:spPr/>
+      <dgm:t>
+        <a:bodyPr/>
+        <a:lstStyle/>
+        <a:p>
+          <a:r>
+            <a:rPr lang="es-PE" b="1" dirty="0" smtClean="0"/>
+            <a:t>OE4.</a:t>
+          </a:r>
+          <a:endParaRPr lang="es-PE" b="1" dirty="0"/>
+        </a:p>
+      </dgm:t>
+    </dgm:pt>
+    <dgm:pt modelId="{A499ABCA-9A3B-438C-9D65-A495CA0E6706}" type="parTrans" cxnId="{82A24A0E-442C-47BE-AA56-293A72464F5A}">
+      <dgm:prSet/>
+      <dgm:spPr/>
+      <dgm:t>
+        <a:bodyPr/>
+        <a:lstStyle/>
+        <a:p>
+          <a:endParaRPr lang="es-PE"/>
+        </a:p>
+      </dgm:t>
+    </dgm:pt>
+    <dgm:pt modelId="{9E6754DF-F071-4FF3-AAC0-4DD6B5D2280C}" type="sibTrans" cxnId="{82A24A0E-442C-47BE-AA56-293A72464F5A}">
+      <dgm:prSet/>
+      <dgm:spPr/>
+      <dgm:t>
+        <a:bodyPr/>
+        <a:lstStyle/>
+        <a:p>
+          <a:endParaRPr lang="es-PE"/>
+        </a:p>
+      </dgm:t>
+    </dgm:pt>
+    <dgm:pt modelId="{03624C03-41C3-4954-BD35-C9F749B3846D}">
+      <dgm:prSet phldrT="[Texto]"/>
+      <dgm:spPr/>
+      <dgm:t>
+        <a:bodyPr/>
+        <a:lstStyle/>
+        <a:p>
+          <a:r>
+            <a:rPr lang="es-ES" dirty="0" smtClean="0"/>
+            <a:t>Integrar los nuevos procesos definidos con los que fueron desarrollados en el Proyecto de Tesis “Modelo de Negocios Empresarial de la Oficina Central Fe y Alegría”.</a:t>
+          </a:r>
+          <a:endParaRPr lang="es-PE" dirty="0"/>
+        </a:p>
+      </dgm:t>
+    </dgm:pt>
+    <dgm:pt modelId="{36660AB6-62A8-408B-B568-81773DEA2F72}" type="parTrans" cxnId="{6B71FD01-2F2F-41AE-85AE-049E20F85889}">
+      <dgm:prSet/>
+      <dgm:spPr/>
+      <dgm:t>
+        <a:bodyPr/>
+        <a:lstStyle/>
+        <a:p>
+          <a:endParaRPr lang="es-PE"/>
+        </a:p>
+      </dgm:t>
+    </dgm:pt>
+    <dgm:pt modelId="{FA957721-AF25-4951-9B66-B05D08460A52}" type="sibTrans" cxnId="{6B71FD01-2F2F-41AE-85AE-049E20F85889}">
+      <dgm:prSet/>
+      <dgm:spPr/>
+      <dgm:t>
+        <a:bodyPr/>
+        <a:lstStyle/>
+        <a:p>
+          <a:endParaRPr lang="es-PE"/>
+        </a:p>
+      </dgm:t>
+    </dgm:pt>
     <dgm:pt modelId="{C9937954-5D73-4A53-B904-8B3994A115AB}" type="pres">
       <dgm:prSet presAssocID="{D6FA47E8-581E-49CD-8BF2-0C2FC83C6702}" presName="Name0" presStyleCnt="0">
         <dgm:presLayoutVars>
@@ -8810,7 +8885,7 @@
       </dgm:t>
     </dgm:pt>
     <dgm:pt modelId="{8EB723BB-226C-4D8E-9C8F-3BC6EFCC03FB}" type="pres">
-      <dgm:prSet presAssocID="{A9B43EF2-383C-470D-B7F3-05BC1073C854}" presName="parentText1" presStyleLbl="node1" presStyleIdx="0" presStyleCnt="4">
+      <dgm:prSet presAssocID="{A9B43EF2-383C-470D-B7F3-05BC1073C854}" presName="parentText1" presStyleLbl="node1" presStyleIdx="0" presStyleCnt="5">
         <dgm:presLayoutVars>
           <dgm:chMax/>
           <dgm:chPref val="3"/>
@@ -8827,7 +8902,7 @@
       </dgm:t>
     </dgm:pt>
     <dgm:pt modelId="{C7BEC4EE-6F56-4CAC-B9E2-C2002D9555A5}" type="pres">
-      <dgm:prSet presAssocID="{A9B43EF2-383C-470D-B7F3-05BC1073C854}" presName="childText1" presStyleLbl="solidAlignAcc1" presStyleIdx="0" presStyleCnt="4">
+      <dgm:prSet presAssocID="{A9B43EF2-383C-470D-B7F3-05BC1073C854}" presName="childText1" presStyleLbl="solidAlignAcc1" presStyleIdx="0" presStyleCnt="5">
         <dgm:presLayoutVars>
           <dgm:chMax val="0"/>
           <dgm:chPref val="0"/>
@@ -8844,7 +8919,7 @@
       </dgm:t>
     </dgm:pt>
     <dgm:pt modelId="{3BD18C96-D45A-4B71-B5B5-B0C6FC55D039}" type="pres">
-      <dgm:prSet presAssocID="{9745B43B-A895-4CE2-A82C-01B8A6EC89C0}" presName="parentText2" presStyleLbl="node1" presStyleIdx="1" presStyleCnt="4">
+      <dgm:prSet presAssocID="{9745B43B-A895-4CE2-A82C-01B8A6EC89C0}" presName="parentText2" presStyleLbl="node1" presStyleIdx="1" presStyleCnt="5">
         <dgm:presLayoutVars>
           <dgm:chMax/>
           <dgm:chPref val="3"/>
@@ -8861,7 +8936,7 @@
       </dgm:t>
     </dgm:pt>
     <dgm:pt modelId="{79270A26-50A4-4D55-9ADA-50D6D53B25E5}" type="pres">
-      <dgm:prSet presAssocID="{9745B43B-A895-4CE2-A82C-01B8A6EC89C0}" presName="childText2" presStyleLbl="solidAlignAcc1" presStyleIdx="1" presStyleCnt="4">
+      <dgm:prSet presAssocID="{9745B43B-A895-4CE2-A82C-01B8A6EC89C0}" presName="childText2" presStyleLbl="solidAlignAcc1" presStyleIdx="1" presStyleCnt="5">
         <dgm:presLayoutVars>
           <dgm:chMax val="0"/>
           <dgm:chPref val="0"/>
@@ -8877,8 +8952,8 @@
         </a:p>
       </dgm:t>
     </dgm:pt>
-    <dgm:pt modelId="{91010C94-2883-4378-BAD9-100D4E5ACE7F}" type="pres">
-      <dgm:prSet presAssocID="{EF01B2C3-9973-4A92-83BA-1413B5B39DC9}" presName="parentText3" presStyleLbl="node1" presStyleIdx="2" presStyleCnt="4">
+    <dgm:pt modelId="{A44A4C86-F22A-41AB-A79B-E2AD6698B61E}" type="pres">
+      <dgm:prSet presAssocID="{3C242284-50C7-4B9D-A866-0CF057E23FB1}" presName="parentText3" presStyleLbl="node1" presStyleIdx="2" presStyleCnt="5">
         <dgm:presLayoutVars>
           <dgm:chMax/>
           <dgm:chPref val="3"/>
@@ -8894,8 +8969,8 @@
         </a:p>
       </dgm:t>
     </dgm:pt>
-    <dgm:pt modelId="{86E417DA-FBEE-4BF7-A528-ADF85765FA07}" type="pres">
-      <dgm:prSet presAssocID="{EF01B2C3-9973-4A92-83BA-1413B5B39DC9}" presName="childText3" presStyleLbl="solidAlignAcc1" presStyleIdx="2" presStyleCnt="4">
+    <dgm:pt modelId="{8EC5CADF-EF7E-4F27-8E65-EA96A7B9A71D}" type="pres">
+      <dgm:prSet presAssocID="{3C242284-50C7-4B9D-A866-0CF057E23FB1}" presName="childText3" presStyleLbl="solidAlignAcc1" presStyleIdx="2" presStyleCnt="5">
         <dgm:presLayoutVars>
           <dgm:chMax val="0"/>
           <dgm:chPref val="0"/>
@@ -8911,8 +8986,8 @@
         </a:p>
       </dgm:t>
     </dgm:pt>
-    <dgm:pt modelId="{FD5223F0-D32C-487E-920F-9AD533BC0584}" type="pres">
-      <dgm:prSet presAssocID="{5885A5C4-3C2F-45E7-8FDF-08267A4424FC}" presName="parentText4" presStyleLbl="node1" presStyleIdx="3" presStyleCnt="4">
+    <dgm:pt modelId="{0CD82B2E-AE47-4AEC-A806-1DEA6AEA6C38}" type="pres">
+      <dgm:prSet presAssocID="{222CCE41-CD7C-4A1C-A492-1640D38FB7C9}" presName="parentText4" presStyleLbl="node1" presStyleIdx="3" presStyleCnt="5">
         <dgm:presLayoutVars>
           <dgm:chMax/>
           <dgm:chPref val="3"/>
@@ -8928,8 +9003,42 @@
         </a:p>
       </dgm:t>
     </dgm:pt>
-    <dgm:pt modelId="{F52E9F08-9B78-489A-BCED-665228F7B3BE}" type="pres">
-      <dgm:prSet presAssocID="{5885A5C4-3C2F-45E7-8FDF-08267A4424FC}" presName="childText4" presStyleLbl="solidAlignAcc1" presStyleIdx="3" presStyleCnt="4">
+    <dgm:pt modelId="{B0C26EDE-A5A8-46C8-ADB7-848795BE8B1F}" type="pres">
+      <dgm:prSet presAssocID="{222CCE41-CD7C-4A1C-A492-1640D38FB7C9}" presName="childText4" presStyleLbl="solidAlignAcc1" presStyleIdx="3" presStyleCnt="5">
+        <dgm:presLayoutVars>
+          <dgm:chMax val="0"/>
+          <dgm:chPref val="0"/>
+          <dgm:bulletEnabled val="1"/>
+        </dgm:presLayoutVars>
+      </dgm:prSet>
+      <dgm:spPr/>
+      <dgm:t>
+        <a:bodyPr/>
+        <a:lstStyle/>
+        <a:p>
+          <a:endParaRPr lang="es-PE"/>
+        </a:p>
+      </dgm:t>
+    </dgm:pt>
+    <dgm:pt modelId="{74FC3293-916E-4150-ABC2-46A9CAFBD4E1}" type="pres">
+      <dgm:prSet presAssocID="{5885A5C4-3C2F-45E7-8FDF-08267A4424FC}" presName="parentText5" presStyleLbl="node1" presStyleIdx="4" presStyleCnt="5">
+        <dgm:presLayoutVars>
+          <dgm:chMax/>
+          <dgm:chPref val="3"/>
+          <dgm:bulletEnabled val="1"/>
+        </dgm:presLayoutVars>
+      </dgm:prSet>
+      <dgm:spPr/>
+      <dgm:t>
+        <a:bodyPr/>
+        <a:lstStyle/>
+        <a:p>
+          <a:endParaRPr lang="es-PE"/>
+        </a:p>
+      </dgm:t>
+    </dgm:pt>
+    <dgm:pt modelId="{4967F57D-5DA8-4AD5-9546-F790B1E1FA0A}" type="pres">
+      <dgm:prSet presAssocID="{5885A5C4-3C2F-45E7-8FDF-08267A4424FC}" presName="childText5" presStyleLbl="solidAlignAcc1" presStyleIdx="4" presStyleCnt="5">
         <dgm:presLayoutVars>
           <dgm:chMax val="0"/>
           <dgm:chPref val="0"/>
@@ -8947,31 +9056,37 @@
     </dgm:pt>
   </dgm:ptLst>
   <dgm:cxnLst>
-    <dgm:cxn modelId="{3C3577A6-14B1-4D73-896C-FBD9C26C902A}" srcId="{D6FA47E8-581E-49CD-8BF2-0C2FC83C6702}" destId="{EF01B2C3-9973-4A92-83BA-1413B5B39DC9}" srcOrd="2" destOrd="0" parTransId="{8A232DB4-78CC-44E4-A8FB-B9543C236198}" sibTransId="{665FBDE9-31CC-48F2-B9FD-A59C6B418028}"/>
+    <dgm:cxn modelId="{A6CA14D9-E28D-4656-9850-FF658776B098}" srcId="{D6FA47E8-581E-49CD-8BF2-0C2FC83C6702}" destId="{3C242284-50C7-4B9D-A866-0CF057E23FB1}" srcOrd="2" destOrd="0" parTransId="{7F4B0401-3D50-4529-80A3-9173F737A4E4}" sibTransId="{C850BB20-CD5D-409B-8DF8-9BF0B1D4CA86}"/>
+    <dgm:cxn modelId="{267F0AA3-C5B5-4171-AE7A-48347E86C6F6}" type="presOf" srcId="{3C242284-50C7-4B9D-A866-0CF057E23FB1}" destId="{A44A4C86-F22A-41AB-A79B-E2AD6698B61E}" srcOrd="0" destOrd="0" presId="urn:microsoft.com/office/officeart/2009/3/layout/IncreasingArrowsProcess"/>
     <dgm:cxn modelId="{370413FB-A3CC-4581-86E3-E49431E337FD}" type="presOf" srcId="{9745B43B-A895-4CE2-A82C-01B8A6EC89C0}" destId="{3BD18C96-D45A-4B71-B5B5-B0C6FC55D039}" srcOrd="0" destOrd="0" presId="urn:microsoft.com/office/officeart/2009/3/layout/IncreasingArrowsProcess"/>
     <dgm:cxn modelId="{F9FEE89B-3206-4245-9C61-5AD4C0AFB9D3}" srcId="{D6FA47E8-581E-49CD-8BF2-0C2FC83C6702}" destId="{A9B43EF2-383C-470D-B7F3-05BC1073C854}" srcOrd="0" destOrd="0" parTransId="{7FBB1A13-D1AE-419D-B60B-0A43A1562DE9}" sibTransId="{68D2ECDC-33C5-477C-BF95-98FBC427614A}"/>
     <dgm:cxn modelId="{DCE04B4B-14FC-4016-BEB8-40F321EDFB43}" type="presOf" srcId="{84A6F5A7-5758-48E8-9B7F-CA0F88B37F8A}" destId="{79270A26-50A4-4D55-9ADA-50D6D53B25E5}" srcOrd="0" destOrd="0" presId="urn:microsoft.com/office/officeart/2009/3/layout/IncreasingArrowsProcess"/>
+    <dgm:cxn modelId="{00D2EF79-BDCA-4689-A4CB-160FFBEF3D6C}" type="presOf" srcId="{03624C03-41C3-4954-BD35-C9F749B3846D}" destId="{B0C26EDE-A5A8-46C8-ADB7-848795BE8B1F}" srcOrd="0" destOrd="0" presId="urn:microsoft.com/office/officeart/2009/3/layout/IncreasingArrowsProcess"/>
     <dgm:cxn modelId="{EACD8A35-23C1-4FA9-A410-DE539E397DC5}" type="presOf" srcId="{D6FA47E8-581E-49CD-8BF2-0C2FC83C6702}" destId="{C9937954-5D73-4A53-B904-8B3994A115AB}" srcOrd="0" destOrd="0" presId="urn:microsoft.com/office/officeart/2009/3/layout/IncreasingArrowsProcess"/>
     <dgm:cxn modelId="{3C8C6911-16DD-4708-92B5-171122E7CB28}" srcId="{5885A5C4-3C2F-45E7-8FDF-08267A4424FC}" destId="{B083A370-B684-440C-B12C-B4E71894054A}" srcOrd="0" destOrd="0" parTransId="{FD50D1DC-8D56-412D-B61C-74787E3AE0CA}" sibTransId="{B56CFC12-636B-4F0E-9B81-7279DAA43ED2}"/>
-    <dgm:cxn modelId="{5D911BC2-45BD-45C3-90F6-3939CCEEAEBA}" type="presOf" srcId="{B083A370-B684-440C-B12C-B4E71894054A}" destId="{F52E9F08-9B78-489A-BCED-665228F7B3BE}" srcOrd="0" destOrd="0" presId="urn:microsoft.com/office/officeart/2009/3/layout/IncreasingArrowsProcess"/>
     <dgm:cxn modelId="{E4235544-3264-45A3-911E-1CC2F75CB60C}" type="presOf" srcId="{492D23AD-5E20-4818-812A-267B87561718}" destId="{C7BEC4EE-6F56-4CAC-B9E2-C2002D9555A5}" srcOrd="0" destOrd="0" presId="urn:microsoft.com/office/officeart/2009/3/layout/IncreasingArrowsProcess"/>
-    <dgm:cxn modelId="{E7FE0605-9622-4595-8361-80373099FDA1}" type="presOf" srcId="{5885A5C4-3C2F-45E7-8FDF-08267A4424FC}" destId="{FD5223F0-D32C-487E-920F-9AD533BC0584}" srcOrd="0" destOrd="0" presId="urn:microsoft.com/office/officeart/2009/3/layout/IncreasingArrowsProcess"/>
+    <dgm:cxn modelId="{7D6F42EC-A9ED-4D9A-9250-C17F5C782B21}" type="presOf" srcId="{B083A370-B684-440C-B12C-B4E71894054A}" destId="{4967F57D-5DA8-4AD5-9546-F790B1E1FA0A}" srcOrd="0" destOrd="0" presId="urn:microsoft.com/office/officeart/2009/3/layout/IncreasingArrowsProcess"/>
+    <dgm:cxn modelId="{A0564AF7-5884-4295-A6EF-7B4AEFC90934}" type="presOf" srcId="{630B9A79-0F13-4A68-83A2-350249367D77}" destId="{8EC5CADF-EF7E-4F27-8E65-EA96A7B9A71D}" srcOrd="0" destOrd="0" presId="urn:microsoft.com/office/officeart/2009/3/layout/IncreasingArrowsProcess"/>
+    <dgm:cxn modelId="{2DB9D6CC-AA34-49EE-8CAF-8D6106777185}" type="presOf" srcId="{5885A5C4-3C2F-45E7-8FDF-08267A4424FC}" destId="{74FC3293-916E-4150-ABC2-46A9CAFBD4E1}" srcOrd="0" destOrd="0" presId="urn:microsoft.com/office/officeart/2009/3/layout/IncreasingArrowsProcess"/>
     <dgm:cxn modelId="{BE9AACCA-C74B-4E9A-9C66-B61433C7BA80}" type="presOf" srcId="{A9B43EF2-383C-470D-B7F3-05BC1073C854}" destId="{8EB723BB-226C-4D8E-9C8F-3BC6EFCC03FB}" srcOrd="0" destOrd="0" presId="urn:microsoft.com/office/officeart/2009/3/layout/IncreasingArrowsProcess"/>
-    <dgm:cxn modelId="{453C639A-6FB9-4242-B6A6-0C0E1544D72F}" type="presOf" srcId="{EF01B2C3-9973-4A92-83BA-1413B5B39DC9}" destId="{91010C94-2883-4378-BAD9-100D4E5ACE7F}" srcOrd="0" destOrd="0" presId="urn:microsoft.com/office/officeart/2009/3/layout/IncreasingArrowsProcess"/>
+    <dgm:cxn modelId="{ABFB5153-7D95-4377-A44D-3C4DD1527CE7}" type="presOf" srcId="{222CCE41-CD7C-4A1C-A492-1640D38FB7C9}" destId="{0CD82B2E-AE47-4AEC-A806-1DEA6AEA6C38}" srcOrd="0" destOrd="0" presId="urn:microsoft.com/office/officeart/2009/3/layout/IncreasingArrowsProcess"/>
     <dgm:cxn modelId="{FF2ECC68-9C90-4DF0-A928-3B92CA54ECF3}" srcId="{9745B43B-A895-4CE2-A82C-01B8A6EC89C0}" destId="{84A6F5A7-5758-48E8-9B7F-CA0F88B37F8A}" srcOrd="0" destOrd="0" parTransId="{172A72A1-A0BA-4F4F-B17E-2E2872CB93E4}" sibTransId="{3C12D1CB-9474-468E-99D4-B714E8F4CA64}"/>
-    <dgm:cxn modelId="{22F7B61B-14E2-43C1-9615-B3ED754DBC3D}" type="presOf" srcId="{1A7FD18F-B1C8-4C57-B8C0-BE1BC12C4230}" destId="{86E417DA-FBEE-4BF7-A528-ADF85765FA07}" srcOrd="0" destOrd="0" presId="urn:microsoft.com/office/officeart/2009/3/layout/IncreasingArrowsProcess"/>
-    <dgm:cxn modelId="{067C3729-7CBB-4FFE-86CC-2AA4BE29DC5D}" srcId="{D6FA47E8-581E-49CD-8BF2-0C2FC83C6702}" destId="{5885A5C4-3C2F-45E7-8FDF-08267A4424FC}" srcOrd="3" destOrd="0" parTransId="{04ACBFD8-E5A0-4211-979B-686E0D6BD476}" sibTransId="{9606F468-582C-48C8-8E22-EF5FC461BD33}"/>
+    <dgm:cxn modelId="{82A24A0E-442C-47BE-AA56-293A72464F5A}" srcId="{D6FA47E8-581E-49CD-8BF2-0C2FC83C6702}" destId="{222CCE41-CD7C-4A1C-A492-1640D38FB7C9}" srcOrd="3" destOrd="0" parTransId="{A499ABCA-9A3B-438C-9D65-A495CA0E6706}" sibTransId="{9E6754DF-F071-4FF3-AAC0-4DD6B5D2280C}"/>
+    <dgm:cxn modelId="{067C3729-7CBB-4FFE-86CC-2AA4BE29DC5D}" srcId="{D6FA47E8-581E-49CD-8BF2-0C2FC83C6702}" destId="{5885A5C4-3C2F-45E7-8FDF-08267A4424FC}" srcOrd="4" destOrd="0" parTransId="{04ACBFD8-E5A0-4211-979B-686E0D6BD476}" sibTransId="{9606F468-582C-48C8-8E22-EF5FC461BD33}"/>
     <dgm:cxn modelId="{B96E5C38-6832-4F25-AE7F-CD46EE7B2060}" srcId="{D6FA47E8-581E-49CD-8BF2-0C2FC83C6702}" destId="{9745B43B-A895-4CE2-A82C-01B8A6EC89C0}" srcOrd="1" destOrd="0" parTransId="{DC320488-346F-4A79-8D71-5C0C94A79279}" sibTransId="{DE6036E3-BD50-46E1-BA82-4EB465A3CF41}"/>
-    <dgm:cxn modelId="{A416ED6A-9FC1-4E02-BD3D-6AB1401E1EE4}" srcId="{EF01B2C3-9973-4A92-83BA-1413B5B39DC9}" destId="{1A7FD18F-B1C8-4C57-B8C0-BE1BC12C4230}" srcOrd="0" destOrd="0" parTransId="{2E77CE5D-0CEB-42F2-89EA-3E918872B3DC}" sibTransId="{22E7F094-5C7B-4C90-90E4-CCC8A8E5D74E}"/>
+    <dgm:cxn modelId="{6B71FD01-2F2F-41AE-85AE-049E20F85889}" srcId="{222CCE41-CD7C-4A1C-A492-1640D38FB7C9}" destId="{03624C03-41C3-4954-BD35-C9F749B3846D}" srcOrd="0" destOrd="0" parTransId="{36660AB6-62A8-408B-B568-81773DEA2F72}" sibTransId="{FA957721-AF25-4951-9B66-B05D08460A52}"/>
+    <dgm:cxn modelId="{381C926D-8793-41D5-A255-A0790C888E94}" srcId="{3C242284-50C7-4B9D-A866-0CF057E23FB1}" destId="{630B9A79-0F13-4A68-83A2-350249367D77}" srcOrd="0" destOrd="0" parTransId="{C3353706-B7B1-4052-B5A6-D61F90EE0716}" sibTransId="{FFF017B8-5201-452A-A410-AAD1AFAC21F7}"/>
     <dgm:cxn modelId="{6407C152-7AA8-450F-A77F-B9EC46EDFF5B}" srcId="{A9B43EF2-383C-470D-B7F3-05BC1073C854}" destId="{492D23AD-5E20-4818-812A-267B87561718}" srcOrd="0" destOrd="0" parTransId="{BBB088A6-4424-4176-A5D7-594034D957DF}" sibTransId="{5466BE19-F37E-4E33-AF16-E2E1FD3C0665}"/>
     <dgm:cxn modelId="{DB7CEE62-25A3-482C-B51F-EDE420461ACE}" type="presParOf" srcId="{C9937954-5D73-4A53-B904-8B3994A115AB}" destId="{8EB723BB-226C-4D8E-9C8F-3BC6EFCC03FB}" srcOrd="0" destOrd="0" presId="urn:microsoft.com/office/officeart/2009/3/layout/IncreasingArrowsProcess"/>
     <dgm:cxn modelId="{6163A2DB-F3AE-42BB-9C2D-92D23318E580}" type="presParOf" srcId="{C9937954-5D73-4A53-B904-8B3994A115AB}" destId="{C7BEC4EE-6F56-4CAC-B9E2-C2002D9555A5}" srcOrd="1" destOrd="0" presId="urn:microsoft.com/office/officeart/2009/3/layout/IncreasingArrowsProcess"/>
     <dgm:cxn modelId="{7FBE244E-E1C8-4D3A-8B88-BE0689ECFB4C}" type="presParOf" srcId="{C9937954-5D73-4A53-B904-8B3994A115AB}" destId="{3BD18C96-D45A-4B71-B5B5-B0C6FC55D039}" srcOrd="2" destOrd="0" presId="urn:microsoft.com/office/officeart/2009/3/layout/IncreasingArrowsProcess"/>
     <dgm:cxn modelId="{61A59595-4C1C-4F5D-B380-99909BEC02CF}" type="presParOf" srcId="{C9937954-5D73-4A53-B904-8B3994A115AB}" destId="{79270A26-50A4-4D55-9ADA-50D6D53B25E5}" srcOrd="3" destOrd="0" presId="urn:microsoft.com/office/officeart/2009/3/layout/IncreasingArrowsProcess"/>
-    <dgm:cxn modelId="{03796B7A-3A0B-4A75-8362-952599A49DA1}" type="presParOf" srcId="{C9937954-5D73-4A53-B904-8B3994A115AB}" destId="{91010C94-2883-4378-BAD9-100D4E5ACE7F}" srcOrd="4" destOrd="0" presId="urn:microsoft.com/office/officeart/2009/3/layout/IncreasingArrowsProcess"/>
-    <dgm:cxn modelId="{151B91F8-C18B-4059-BF3D-F78CDCD08EAB}" type="presParOf" srcId="{C9937954-5D73-4A53-B904-8B3994A115AB}" destId="{86E417DA-FBEE-4BF7-A528-ADF85765FA07}" srcOrd="5" destOrd="0" presId="urn:microsoft.com/office/officeart/2009/3/layout/IncreasingArrowsProcess"/>
-    <dgm:cxn modelId="{9E994C7E-E772-4E45-BEAF-96B900B3CF7C}" type="presParOf" srcId="{C9937954-5D73-4A53-B904-8B3994A115AB}" destId="{FD5223F0-D32C-487E-920F-9AD533BC0584}" srcOrd="6" destOrd="0" presId="urn:microsoft.com/office/officeart/2009/3/layout/IncreasingArrowsProcess"/>
-    <dgm:cxn modelId="{1E14F43B-04DB-42E3-98D3-1595D4E66DA3}" type="presParOf" srcId="{C9937954-5D73-4A53-B904-8B3994A115AB}" destId="{F52E9F08-9B78-489A-BCED-665228F7B3BE}" srcOrd="7" destOrd="0" presId="urn:microsoft.com/office/officeart/2009/3/layout/IncreasingArrowsProcess"/>
+    <dgm:cxn modelId="{31E39FFE-3935-4A32-89E8-5894A480E499}" type="presParOf" srcId="{C9937954-5D73-4A53-B904-8B3994A115AB}" destId="{A44A4C86-F22A-41AB-A79B-E2AD6698B61E}" srcOrd="4" destOrd="0" presId="urn:microsoft.com/office/officeart/2009/3/layout/IncreasingArrowsProcess"/>
+    <dgm:cxn modelId="{6D21093E-BD35-4635-9900-4B6D3396B93F}" type="presParOf" srcId="{C9937954-5D73-4A53-B904-8B3994A115AB}" destId="{8EC5CADF-EF7E-4F27-8E65-EA96A7B9A71D}" srcOrd="5" destOrd="0" presId="urn:microsoft.com/office/officeart/2009/3/layout/IncreasingArrowsProcess"/>
+    <dgm:cxn modelId="{4E5223ED-DE70-4049-B91B-E82FD3EE7DE6}" type="presParOf" srcId="{C9937954-5D73-4A53-B904-8B3994A115AB}" destId="{0CD82B2E-AE47-4AEC-A806-1DEA6AEA6C38}" srcOrd="6" destOrd="0" presId="urn:microsoft.com/office/officeart/2009/3/layout/IncreasingArrowsProcess"/>
+    <dgm:cxn modelId="{2A335D5B-FCCE-4BAD-9425-6EF8E99BEDA1}" type="presParOf" srcId="{C9937954-5D73-4A53-B904-8B3994A115AB}" destId="{B0C26EDE-A5A8-46C8-ADB7-848795BE8B1F}" srcOrd="7" destOrd="0" presId="urn:microsoft.com/office/officeart/2009/3/layout/IncreasingArrowsProcess"/>
+    <dgm:cxn modelId="{77800B76-36CE-4A49-92F1-17A104A28125}" type="presParOf" srcId="{C9937954-5D73-4A53-B904-8B3994A115AB}" destId="{74FC3293-916E-4150-ABC2-46A9CAFBD4E1}" srcOrd="8" destOrd="0" presId="urn:microsoft.com/office/officeart/2009/3/layout/IncreasingArrowsProcess"/>
+    <dgm:cxn modelId="{AFCFF4A4-DB51-496D-A79B-76BD95A0B153}" type="presParOf" srcId="{C9937954-5D73-4A53-B904-8B3994A115AB}" destId="{4967F57D-5DA8-4AD5-9546-F790B1E1FA0A}" srcOrd="9" destOrd="0" presId="urn:microsoft.com/office/officeart/2009/3/layout/IncreasingArrowsProcess"/>
   </dgm:cxnLst>
   <dgm:bg/>
   <dgm:whole/>
@@ -10151,35 +10266,35 @@
     </dgm:pt>
   </dgm:ptLst>
   <dgm:cxnLst>
+    <dgm:cxn modelId="{118D550D-83C9-4364-98CC-F5FC2A755B8B}" srcId="{821F724A-1E74-4F33-85C0-A9660A1C5922}" destId="{8ACBA585-6B84-4F36-9AD2-CA3060BD1EB4}" srcOrd="4" destOrd="0" parTransId="{35FBC60B-B567-49B0-A0FC-F5DC432FD4FF}" sibTransId="{C9692E8D-74C9-48B5-B969-C9D46422FB31}"/>
+    <dgm:cxn modelId="{6341CEC8-F9F6-46A9-B73E-E9AF8FDF0889}" type="presOf" srcId="{D3955DD9-C210-4034-AF51-E3F5FBE593EC}" destId="{E0B056A9-9BB5-473E-9539-630B3E9CECE5}" srcOrd="0" destOrd="0" presId="urn:microsoft.com/office/officeart/2008/layout/SquareAccentList"/>
+    <dgm:cxn modelId="{FC5BBF16-FF39-4CB4-90CC-CEA94A220D47}" srcId="{3187E4F2-7E1A-4AB4-97A8-C6808496C841}" destId="{D48C7B06-5FEF-40AC-A457-A2EA167A6366}" srcOrd="1" destOrd="0" parTransId="{98625DA9-C612-4CCD-80CC-A8B73D361271}" sibTransId="{659B545E-03B2-40E9-90C2-D0EFAE98F073}"/>
+    <dgm:cxn modelId="{BEB14B9C-31B9-427E-BBA9-B94DD515BE50}" srcId="{821F724A-1E74-4F33-85C0-A9660A1C5922}" destId="{50FC705E-78F8-4F37-969A-A9312F401E8D}" srcOrd="1" destOrd="0" parTransId="{6174C003-C413-4814-922E-3B7D1FC52FB0}" sibTransId="{61012B75-7143-4462-988F-13D021C547A5}"/>
+    <dgm:cxn modelId="{F6C9E7A7-F42E-4803-B447-B38BC599F640}" srcId="{3187E4F2-7E1A-4AB4-97A8-C6808496C841}" destId="{891D777F-948C-4A37-A94C-88823F92F459}" srcOrd="5" destOrd="0" parTransId="{E5617A6E-5544-4EFD-B2FE-6BDA791BFD21}" sibTransId="{869037B3-48B7-4EE0-874A-B8B4AB6AD7FA}"/>
+    <dgm:cxn modelId="{456E8A73-15B3-4481-A103-B738F5E8CDF5}" srcId="{821F724A-1E74-4F33-85C0-A9660A1C5922}" destId="{D3955DD9-C210-4034-AF51-E3F5FBE593EC}" srcOrd="0" destOrd="0" parTransId="{7CD85B04-760D-4665-82C4-C4FC55944ED9}" sibTransId="{23C22543-BE3D-4446-8123-D99AF96D6F20}"/>
+    <dgm:cxn modelId="{6F4A024A-0781-42DC-84BC-234766DD9B03}" srcId="{821F724A-1E74-4F33-85C0-A9660A1C5922}" destId="{D540D66A-B871-4566-9474-F6CB192ED147}" srcOrd="3" destOrd="0" parTransId="{54BBD327-F20D-40D8-B6E6-257E293B615A}" sibTransId="{0FE0B88E-5E07-4331-88DF-3BE3D1BA618A}"/>
+    <dgm:cxn modelId="{CF7B7446-88EF-45B5-8070-8808DFC7724C}" type="presOf" srcId="{D48C7B06-5FEF-40AC-A457-A2EA167A6366}" destId="{DAE83E0B-F351-41E5-BCA6-FFDFBFD24187}" srcOrd="0" destOrd="0" presId="urn:microsoft.com/office/officeart/2008/layout/SquareAccentList"/>
+    <dgm:cxn modelId="{121496EC-7036-455B-9144-DF50186AE098}" type="presOf" srcId="{F7C58E37-98B8-4977-A6ED-D1E882541186}" destId="{857C6AF1-6843-40D0-A208-4F732951E8F8}" srcOrd="0" destOrd="0" presId="urn:microsoft.com/office/officeart/2008/layout/SquareAccentList"/>
+    <dgm:cxn modelId="{FCF159AB-B43D-47EC-A046-7776B5215909}" type="presOf" srcId="{61F688E2-B8E8-403B-A4D7-D7F4CF8637B8}" destId="{CEB6B7B4-44CF-4334-BB25-FD99F1317EE9}" srcOrd="0" destOrd="0" presId="urn:microsoft.com/office/officeart/2008/layout/SquareAccentList"/>
+    <dgm:cxn modelId="{04B75310-DE6A-4453-A623-AA7A7B680AC4}" type="presOf" srcId="{3187E4F2-7E1A-4AB4-97A8-C6808496C841}" destId="{C14CA48F-9FDF-4AC4-A5C3-5037A05BFFCB}" srcOrd="0" destOrd="0" presId="urn:microsoft.com/office/officeart/2008/layout/SquareAccentList"/>
+    <dgm:cxn modelId="{5AC051EF-D431-416A-A317-2ED361A4AAEA}" type="presOf" srcId="{D540D66A-B871-4566-9474-F6CB192ED147}" destId="{79DACC31-E8D5-45D8-AE21-303FE97CDEBE}" srcOrd="0" destOrd="0" presId="urn:microsoft.com/office/officeart/2008/layout/SquareAccentList"/>
+    <dgm:cxn modelId="{C4EADBE2-5994-41D5-9DDB-2229F426E397}" srcId="{3187E4F2-7E1A-4AB4-97A8-C6808496C841}" destId="{50B3535A-9A64-4685-AE64-8989658E52B9}" srcOrd="3" destOrd="0" parTransId="{C632C9CF-93F6-49E3-93F9-5888170474DD}" sibTransId="{69F27F9C-23F9-4FE7-8BF1-9FD4F23CFD98}"/>
     <dgm:cxn modelId="{006D41CF-B199-4056-A400-F640D55AA08B}" type="presOf" srcId="{50FC705E-78F8-4F37-969A-A9312F401E8D}" destId="{C26868EE-D68D-4D23-B0AF-BEAC8C41ACC2}" srcOrd="0" destOrd="0" presId="urn:microsoft.com/office/officeart/2008/layout/SquareAccentList"/>
-    <dgm:cxn modelId="{6341CEC8-F9F6-46A9-B73E-E9AF8FDF0889}" type="presOf" srcId="{D3955DD9-C210-4034-AF51-E3F5FBE593EC}" destId="{E0B056A9-9BB5-473E-9539-630B3E9CECE5}" srcOrd="0" destOrd="0" presId="urn:microsoft.com/office/officeart/2008/layout/SquareAccentList"/>
+    <dgm:cxn modelId="{DB7B73A0-37A3-4EC9-A83D-8C59805389AA}" type="presOf" srcId="{E1327DF1-407F-4794-AC61-81B7343897F2}" destId="{CFF446D1-89AF-41F4-8A1E-33D57E7CB0EC}" srcOrd="0" destOrd="0" presId="urn:microsoft.com/office/officeart/2008/layout/SquareAccentList"/>
+    <dgm:cxn modelId="{B4910D61-7808-46C7-BBCE-698AB7E52BE7}" type="presOf" srcId="{821F724A-1E74-4F33-85C0-A9660A1C5922}" destId="{531E20E0-23D9-4B4F-9352-E5CCF8890C1A}" srcOrd="0" destOrd="0" presId="urn:microsoft.com/office/officeart/2008/layout/SquareAccentList"/>
+    <dgm:cxn modelId="{CF2010B2-23DD-4B7C-A9A6-FC21E3455094}" type="presOf" srcId="{891D777F-948C-4A37-A94C-88823F92F459}" destId="{41D058B1-3D80-4366-9B23-B05984237541}" srcOrd="0" destOrd="0" presId="urn:microsoft.com/office/officeart/2008/layout/SquareAccentList"/>
+    <dgm:cxn modelId="{06614E2A-5F47-4C60-891B-9AF97D4C1340}" srcId="{ED5AF5FF-1439-453E-B279-80C8689019C7}" destId="{821F724A-1E74-4F33-85C0-A9660A1C5922}" srcOrd="0" destOrd="0" parTransId="{7341F9CF-A3DF-4850-800D-9B8EFDFDE532}" sibTransId="{BC600B84-E8AF-410E-8EB9-1031DBB31C17}"/>
+    <dgm:cxn modelId="{920047BA-9BDB-47DA-9A11-16A01A85A0E8}" srcId="{3187E4F2-7E1A-4AB4-97A8-C6808496C841}" destId="{62F705B3-D2D8-4CF2-BF83-A8366D52A55C}" srcOrd="4" destOrd="0" parTransId="{F3F8858F-BEEE-4E56-B5EC-35447BF13606}" sibTransId="{E00A7594-D2D0-42A5-B412-364B5F62CAB6}"/>
+    <dgm:cxn modelId="{6391956B-3A11-484E-99A8-88BB7C31ED72}" srcId="{821F724A-1E74-4F33-85C0-A9660A1C5922}" destId="{E1327DF1-407F-4794-AC61-81B7343897F2}" srcOrd="2" destOrd="0" parTransId="{56CC7CD0-F340-442A-9511-101E7596D5F3}" sibTransId="{8CFC9E8A-9D32-47AB-BADA-E212479D3BE5}"/>
     <dgm:cxn modelId="{B9D52E05-9329-49F7-97A7-C721DC2C9CC2}" type="presOf" srcId="{8ACBA585-6B84-4F36-9AD2-CA3060BD1EB4}" destId="{149CE519-B116-4B40-9340-23CE318769B7}" srcOrd="0" destOrd="0" presId="urn:microsoft.com/office/officeart/2008/layout/SquareAccentList"/>
+    <dgm:cxn modelId="{09E993DC-0BA5-4134-A9E1-DE94C791EA03}" type="presOf" srcId="{9711D425-AEAF-44B7-8601-EA0A9E0309C4}" destId="{0C2BAE95-2256-467F-A370-2751C4EBF676}" srcOrd="0" destOrd="0" presId="urn:microsoft.com/office/officeart/2008/layout/SquareAccentList"/>
     <dgm:cxn modelId="{487AFC68-C32C-45F5-8327-4603F22429D7}" srcId="{3187E4F2-7E1A-4AB4-97A8-C6808496C841}" destId="{9711D425-AEAF-44B7-8601-EA0A9E0309C4}" srcOrd="0" destOrd="0" parTransId="{78E1A41A-1F16-469C-9641-794DE6BD34EF}" sibTransId="{C80174F1-D735-4817-BFC5-E527FCC931F9}"/>
-    <dgm:cxn modelId="{FCF159AB-B43D-47EC-A046-7776B5215909}" type="presOf" srcId="{61F688E2-B8E8-403B-A4D7-D7F4CF8637B8}" destId="{CEB6B7B4-44CF-4334-BB25-FD99F1317EE9}" srcOrd="0" destOrd="0" presId="urn:microsoft.com/office/officeart/2008/layout/SquareAccentList"/>
+    <dgm:cxn modelId="{2C0AD4B1-99E3-4E9C-AC0C-A9357161200D}" type="presOf" srcId="{ED5AF5FF-1439-453E-B279-80C8689019C7}" destId="{D8F9E214-F28B-4179-B1CD-FA241914D8E2}" srcOrd="0" destOrd="0" presId="urn:microsoft.com/office/officeart/2008/layout/SquareAccentList"/>
+    <dgm:cxn modelId="{B51098D2-60A3-4A87-B14D-99C57427ACCF}" srcId="{821F724A-1E74-4F33-85C0-A9660A1C5922}" destId="{F7C58E37-98B8-4977-A6ED-D1E882541186}" srcOrd="5" destOrd="0" parTransId="{30BB64B0-EDB8-4777-B415-732D8017A6E9}" sibTransId="{AD8673F3-9D92-4A06-A8ED-203E3C631055}"/>
+    <dgm:cxn modelId="{D883DFC3-A618-49BB-AF63-AFC997AE336A}" type="presOf" srcId="{62F705B3-D2D8-4CF2-BF83-A8366D52A55C}" destId="{CDB0E184-336E-4459-84E9-08EA45A5AD7A}" srcOrd="0" destOrd="0" presId="urn:microsoft.com/office/officeart/2008/layout/SquareAccentList"/>
     <dgm:cxn modelId="{97E977C7-9F26-4C4B-A262-2CE0EA7FF920}" srcId="{ED5AF5FF-1439-453E-B279-80C8689019C7}" destId="{3187E4F2-7E1A-4AB4-97A8-C6808496C841}" srcOrd="1" destOrd="0" parTransId="{7A1DE184-2881-48C3-A4ED-22E5FFD2E05D}" sibTransId="{032A41B8-3408-42C3-B4AE-C5632A1312DF}"/>
-    <dgm:cxn modelId="{CF7B7446-88EF-45B5-8070-8808DFC7724C}" type="presOf" srcId="{D48C7B06-5FEF-40AC-A457-A2EA167A6366}" destId="{DAE83E0B-F351-41E5-BCA6-FFDFBFD24187}" srcOrd="0" destOrd="0" presId="urn:microsoft.com/office/officeart/2008/layout/SquareAccentList"/>
-    <dgm:cxn modelId="{04B75310-DE6A-4453-A623-AA7A7B680AC4}" type="presOf" srcId="{3187E4F2-7E1A-4AB4-97A8-C6808496C841}" destId="{C14CA48F-9FDF-4AC4-A5C3-5037A05BFFCB}" srcOrd="0" destOrd="0" presId="urn:microsoft.com/office/officeart/2008/layout/SquareAccentList"/>
+    <dgm:cxn modelId="{E2FBCD39-0D60-4A15-A343-BD00F272D713}" type="presOf" srcId="{50B3535A-9A64-4685-AE64-8989658E52B9}" destId="{8C69E021-09BE-4A80-9092-C0FF2D082120}" srcOrd="0" destOrd="0" presId="urn:microsoft.com/office/officeart/2008/layout/SquareAccentList"/>
     <dgm:cxn modelId="{F4C4AD32-7960-4E81-8073-CFE1856080E5}" srcId="{3187E4F2-7E1A-4AB4-97A8-C6808496C841}" destId="{61F688E2-B8E8-403B-A4D7-D7F4CF8637B8}" srcOrd="2" destOrd="0" parTransId="{9061AE4A-C91E-41E2-8F9A-2CF27AF149B1}" sibTransId="{83E0F65A-68C3-466E-879D-E74F4BF6F055}"/>
-    <dgm:cxn modelId="{CF2010B2-23DD-4B7C-A9A6-FC21E3455094}" type="presOf" srcId="{891D777F-948C-4A37-A94C-88823F92F459}" destId="{41D058B1-3D80-4366-9B23-B05984237541}" srcOrd="0" destOrd="0" presId="urn:microsoft.com/office/officeart/2008/layout/SquareAccentList"/>
-    <dgm:cxn modelId="{DB7B73A0-37A3-4EC9-A83D-8C59805389AA}" type="presOf" srcId="{E1327DF1-407F-4794-AC61-81B7343897F2}" destId="{CFF446D1-89AF-41F4-8A1E-33D57E7CB0EC}" srcOrd="0" destOrd="0" presId="urn:microsoft.com/office/officeart/2008/layout/SquareAccentList"/>
-    <dgm:cxn modelId="{920047BA-9BDB-47DA-9A11-16A01A85A0E8}" srcId="{3187E4F2-7E1A-4AB4-97A8-C6808496C841}" destId="{62F705B3-D2D8-4CF2-BF83-A8366D52A55C}" srcOrd="4" destOrd="0" parTransId="{F3F8858F-BEEE-4E56-B5EC-35447BF13606}" sibTransId="{E00A7594-D2D0-42A5-B412-364B5F62CAB6}"/>
-    <dgm:cxn modelId="{F6C9E7A7-F42E-4803-B447-B38BC599F640}" srcId="{3187E4F2-7E1A-4AB4-97A8-C6808496C841}" destId="{891D777F-948C-4A37-A94C-88823F92F459}" srcOrd="5" destOrd="0" parTransId="{E5617A6E-5544-4EFD-B2FE-6BDA791BFD21}" sibTransId="{869037B3-48B7-4EE0-874A-B8B4AB6AD7FA}"/>
-    <dgm:cxn modelId="{D883DFC3-A618-49BB-AF63-AFC997AE336A}" type="presOf" srcId="{62F705B3-D2D8-4CF2-BF83-A8366D52A55C}" destId="{CDB0E184-336E-4459-84E9-08EA45A5AD7A}" srcOrd="0" destOrd="0" presId="urn:microsoft.com/office/officeart/2008/layout/SquareAccentList"/>
-    <dgm:cxn modelId="{E2FBCD39-0D60-4A15-A343-BD00F272D713}" type="presOf" srcId="{50B3535A-9A64-4685-AE64-8989658E52B9}" destId="{8C69E021-09BE-4A80-9092-C0FF2D082120}" srcOrd="0" destOrd="0" presId="urn:microsoft.com/office/officeart/2008/layout/SquareAccentList"/>
-    <dgm:cxn modelId="{2C0AD4B1-99E3-4E9C-AC0C-A9357161200D}" type="presOf" srcId="{ED5AF5FF-1439-453E-B279-80C8689019C7}" destId="{D8F9E214-F28B-4179-B1CD-FA241914D8E2}" srcOrd="0" destOrd="0" presId="urn:microsoft.com/office/officeart/2008/layout/SquareAccentList"/>
-    <dgm:cxn modelId="{B4910D61-7808-46C7-BBCE-698AB7E52BE7}" type="presOf" srcId="{821F724A-1E74-4F33-85C0-A9660A1C5922}" destId="{531E20E0-23D9-4B4F-9352-E5CCF8890C1A}" srcOrd="0" destOrd="0" presId="urn:microsoft.com/office/officeart/2008/layout/SquareAccentList"/>
-    <dgm:cxn modelId="{5AC051EF-D431-416A-A317-2ED361A4AAEA}" type="presOf" srcId="{D540D66A-B871-4566-9474-F6CB192ED147}" destId="{79DACC31-E8D5-45D8-AE21-303FE97CDEBE}" srcOrd="0" destOrd="0" presId="urn:microsoft.com/office/officeart/2008/layout/SquareAccentList"/>
-    <dgm:cxn modelId="{456E8A73-15B3-4481-A103-B738F5E8CDF5}" srcId="{821F724A-1E74-4F33-85C0-A9660A1C5922}" destId="{D3955DD9-C210-4034-AF51-E3F5FBE593EC}" srcOrd="0" destOrd="0" parTransId="{7CD85B04-760D-4665-82C4-C4FC55944ED9}" sibTransId="{23C22543-BE3D-4446-8123-D99AF96D6F20}"/>
-    <dgm:cxn modelId="{FC5BBF16-FF39-4CB4-90CC-CEA94A220D47}" srcId="{3187E4F2-7E1A-4AB4-97A8-C6808496C841}" destId="{D48C7B06-5FEF-40AC-A457-A2EA167A6366}" srcOrd="1" destOrd="0" parTransId="{98625DA9-C612-4CCD-80CC-A8B73D361271}" sibTransId="{659B545E-03B2-40E9-90C2-D0EFAE98F073}"/>
-    <dgm:cxn modelId="{6F4A024A-0781-42DC-84BC-234766DD9B03}" srcId="{821F724A-1E74-4F33-85C0-A9660A1C5922}" destId="{D540D66A-B871-4566-9474-F6CB192ED147}" srcOrd="3" destOrd="0" parTransId="{54BBD327-F20D-40D8-B6E6-257E293B615A}" sibTransId="{0FE0B88E-5E07-4331-88DF-3BE3D1BA618A}"/>
-    <dgm:cxn modelId="{C4EADBE2-5994-41D5-9DDB-2229F426E397}" srcId="{3187E4F2-7E1A-4AB4-97A8-C6808496C841}" destId="{50B3535A-9A64-4685-AE64-8989658E52B9}" srcOrd="3" destOrd="0" parTransId="{C632C9CF-93F6-49E3-93F9-5888170474DD}" sibTransId="{69F27F9C-23F9-4FE7-8BF1-9FD4F23CFD98}"/>
-    <dgm:cxn modelId="{118D550D-83C9-4364-98CC-F5FC2A755B8B}" srcId="{821F724A-1E74-4F33-85C0-A9660A1C5922}" destId="{8ACBA585-6B84-4F36-9AD2-CA3060BD1EB4}" srcOrd="4" destOrd="0" parTransId="{35FBC60B-B567-49B0-A0FC-F5DC432FD4FF}" sibTransId="{C9692E8D-74C9-48B5-B969-C9D46422FB31}"/>
-    <dgm:cxn modelId="{BEB14B9C-31B9-427E-BBA9-B94DD515BE50}" srcId="{821F724A-1E74-4F33-85C0-A9660A1C5922}" destId="{50FC705E-78F8-4F37-969A-A9312F401E8D}" srcOrd="1" destOrd="0" parTransId="{6174C003-C413-4814-922E-3B7D1FC52FB0}" sibTransId="{61012B75-7143-4462-988F-13D021C547A5}"/>
-    <dgm:cxn modelId="{09E993DC-0BA5-4134-A9E1-DE94C791EA03}" type="presOf" srcId="{9711D425-AEAF-44B7-8601-EA0A9E0309C4}" destId="{0C2BAE95-2256-467F-A370-2751C4EBF676}" srcOrd="0" destOrd="0" presId="urn:microsoft.com/office/officeart/2008/layout/SquareAccentList"/>
-    <dgm:cxn modelId="{B51098D2-60A3-4A87-B14D-99C57427ACCF}" srcId="{821F724A-1E74-4F33-85C0-A9660A1C5922}" destId="{F7C58E37-98B8-4977-A6ED-D1E882541186}" srcOrd="5" destOrd="0" parTransId="{30BB64B0-EDB8-4777-B415-732D8017A6E9}" sibTransId="{AD8673F3-9D92-4A06-A8ED-203E3C631055}"/>
-    <dgm:cxn modelId="{121496EC-7036-455B-9144-DF50186AE098}" type="presOf" srcId="{F7C58E37-98B8-4977-A6ED-D1E882541186}" destId="{857C6AF1-6843-40D0-A208-4F732951E8F8}" srcOrd="0" destOrd="0" presId="urn:microsoft.com/office/officeart/2008/layout/SquareAccentList"/>
-    <dgm:cxn modelId="{6391956B-3A11-484E-99A8-88BB7C31ED72}" srcId="{821F724A-1E74-4F33-85C0-A9660A1C5922}" destId="{E1327DF1-407F-4794-AC61-81B7343897F2}" srcOrd="2" destOrd="0" parTransId="{56CC7CD0-F340-442A-9511-101E7596D5F3}" sibTransId="{8CFC9E8A-9D32-47AB-BADA-E212479D3BE5}"/>
-    <dgm:cxn modelId="{06614E2A-5F47-4C60-891B-9AF97D4C1340}" srcId="{ED5AF5FF-1439-453E-B279-80C8689019C7}" destId="{821F724A-1E74-4F33-85C0-A9660A1C5922}" srcOrd="0" destOrd="0" parTransId="{7341F9CF-A3DF-4850-800D-9B8EFDFDE532}" sibTransId="{BC600B84-E8AF-410E-8EB9-1031DBB31C17}"/>
     <dgm:cxn modelId="{EA67A33C-C6AF-4724-BC5C-7948C9B3CAF5}" type="presParOf" srcId="{D8F9E214-F28B-4179-B1CD-FA241914D8E2}" destId="{3797417F-D0F3-4704-A5E1-1E0D8218EF37}" srcOrd="0" destOrd="0" presId="urn:microsoft.com/office/officeart/2008/layout/SquareAccentList"/>
     <dgm:cxn modelId="{49AF7433-19E2-4850-AA40-4B08B68C2AA7}" type="presParOf" srcId="{3797417F-D0F3-4704-A5E1-1E0D8218EF37}" destId="{70C02842-98CF-41EA-8989-F53AB3E42A32}" srcOrd="0" destOrd="0" presId="urn:microsoft.com/office/officeart/2008/layout/SquareAccentList"/>
     <dgm:cxn modelId="{2C4A0F69-93B6-4C6D-A9B7-81B23BDF4F60}" type="presParOf" srcId="{70C02842-98CF-41EA-8989-F53AB3E42A32}" destId="{0834B4DE-7686-4B9F-B431-44B64EA7608B}" srcOrd="0" destOrd="0" presId="urn:microsoft.com/office/officeart/2008/layout/SquareAccentList"/>
@@ -10823,21 +10938,21 @@
     </dgm:pt>
   </dgm:ptLst>
   <dgm:cxnLst>
-    <dgm:cxn modelId="{84B7A2BB-E701-4825-89FF-EED4B4B3309C}" srcId="{821F724A-1E74-4F33-85C0-A9660A1C5922}" destId="{7F14D72B-6427-4A00-9FC5-993A7D83275A}" srcOrd="3" destOrd="0" parTransId="{07BE0466-2A1F-4093-A04F-1C68ACF52E7D}" sibTransId="{2CFDB889-C899-485E-9A4D-68318D5DA9D9}"/>
-    <dgm:cxn modelId="{C6ABF7DC-9895-4783-A6D8-31969B2FD7E8}" type="presOf" srcId="{D3955DD9-C210-4034-AF51-E3F5FBE593EC}" destId="{E0B056A9-9BB5-473E-9539-630B3E9CECE5}" srcOrd="0" destOrd="0" presId="urn:microsoft.com/office/officeart/2008/layout/SquareAccentList"/>
-    <dgm:cxn modelId="{DE6ABCF4-D0E6-41B9-B1F3-14D8609A41FB}" srcId="{821F724A-1E74-4F33-85C0-A9660A1C5922}" destId="{DC401748-27BB-4E45-820B-B649D6ED9540}" srcOrd="5" destOrd="0" parTransId="{43D46F93-B8E5-4B2D-BB59-F7650CF4D895}" sibTransId="{A2229638-B714-4287-B1F9-8AF5DA358D84}"/>
-    <dgm:cxn modelId="{BA08D5BC-DB42-4557-9F33-A9E836B06223}" srcId="{821F724A-1E74-4F33-85C0-A9660A1C5922}" destId="{5EBED657-C951-4C9E-9B64-BD013632AFC2}" srcOrd="2" destOrd="0" parTransId="{1213574E-E85B-4B4B-BEA3-F7C2410A1668}" sibTransId="{1672AA7E-9207-4977-9E0A-E6EF529E1763}"/>
-    <dgm:cxn modelId="{06614E2A-5F47-4C60-891B-9AF97D4C1340}" srcId="{ED5AF5FF-1439-453E-B279-80C8689019C7}" destId="{821F724A-1E74-4F33-85C0-A9660A1C5922}" srcOrd="0" destOrd="0" parTransId="{7341F9CF-A3DF-4850-800D-9B8EFDFDE532}" sibTransId="{BC600B84-E8AF-410E-8EB9-1031DBB31C17}"/>
     <dgm:cxn modelId="{4CF2E2DF-AF0D-4C3B-894C-68CEC056E5D5}" type="presOf" srcId="{D3E8B20B-B886-4D92-9FBF-27748C512725}" destId="{35E2468C-1DCF-4CF5-AD81-105AAA1C763A}" srcOrd="0" destOrd="0" presId="urn:microsoft.com/office/officeart/2008/layout/SquareAccentList"/>
     <dgm:cxn modelId="{E55C35F3-3635-4857-92D0-C3D81BD6A208}" srcId="{821F724A-1E74-4F33-85C0-A9660A1C5922}" destId="{D3E8B20B-B886-4D92-9FBF-27748C512725}" srcOrd="1" destOrd="0" parTransId="{4FFCD8AE-B212-499A-B538-6A2403F1D17E}" sibTransId="{A00EBF84-F50B-47A4-B120-37FDB6CFD4A6}"/>
+    <dgm:cxn modelId="{19457CDD-80F4-461A-A6AB-8FFAF0C2283D}" type="presOf" srcId="{DC401748-27BB-4E45-820B-B649D6ED9540}" destId="{6B0AA2E4-DB3C-4B1C-8168-2A327F2E7EE5}" srcOrd="0" destOrd="0" presId="urn:microsoft.com/office/officeart/2008/layout/SquareAccentList"/>
+    <dgm:cxn modelId="{9D4768F4-9601-4D3B-B72A-9AD88F035B90}" type="presOf" srcId="{821F724A-1E74-4F33-85C0-A9660A1C5922}" destId="{531E20E0-23D9-4B4F-9352-E5CCF8890C1A}" srcOrd="0" destOrd="0" presId="urn:microsoft.com/office/officeart/2008/layout/SquareAccentList"/>
+    <dgm:cxn modelId="{06614E2A-5F47-4C60-891B-9AF97D4C1340}" srcId="{ED5AF5FF-1439-453E-B279-80C8689019C7}" destId="{821F724A-1E74-4F33-85C0-A9660A1C5922}" srcOrd="0" destOrd="0" parTransId="{7341F9CF-A3DF-4850-800D-9B8EFDFDE532}" sibTransId="{BC600B84-E8AF-410E-8EB9-1031DBB31C17}"/>
+    <dgm:cxn modelId="{84B7A2BB-E701-4825-89FF-EED4B4B3309C}" srcId="{821F724A-1E74-4F33-85C0-A9660A1C5922}" destId="{7F14D72B-6427-4A00-9FC5-993A7D83275A}" srcOrd="3" destOrd="0" parTransId="{07BE0466-2A1F-4093-A04F-1C68ACF52E7D}" sibTransId="{2CFDB889-C899-485E-9A4D-68318D5DA9D9}"/>
+    <dgm:cxn modelId="{30D3FC10-AF3D-488D-8C39-B57805345115}" type="presOf" srcId="{ED5AF5FF-1439-453E-B279-80C8689019C7}" destId="{D8F9E214-F28B-4179-B1CD-FA241914D8E2}" srcOrd="0" destOrd="0" presId="urn:microsoft.com/office/officeart/2008/layout/SquareAccentList"/>
+    <dgm:cxn modelId="{1E77E61A-AF9B-4589-A1CE-374AA85A0C38}" type="presOf" srcId="{7F14D72B-6427-4A00-9FC5-993A7D83275A}" destId="{7FCF0288-9018-4DA2-A2FB-5D0ADE94DD3A}" srcOrd="0" destOrd="0" presId="urn:microsoft.com/office/officeart/2008/layout/SquareAccentList"/>
+    <dgm:cxn modelId="{DE6ABCF4-D0E6-41B9-B1F3-14D8609A41FB}" srcId="{821F724A-1E74-4F33-85C0-A9660A1C5922}" destId="{DC401748-27BB-4E45-820B-B649D6ED9540}" srcOrd="5" destOrd="0" parTransId="{43D46F93-B8E5-4B2D-BB59-F7650CF4D895}" sibTransId="{A2229638-B714-4287-B1F9-8AF5DA358D84}"/>
+    <dgm:cxn modelId="{7A32B0A1-69F2-4810-A64C-59878DA5EED9}" type="presOf" srcId="{5EBED657-C951-4C9E-9B64-BD013632AFC2}" destId="{FBAD7434-1400-42B4-B38D-C41C37B08967}" srcOrd="0" destOrd="0" presId="urn:microsoft.com/office/officeart/2008/layout/SquareAccentList"/>
+    <dgm:cxn modelId="{BA08D5BC-DB42-4557-9F33-A9E836B06223}" srcId="{821F724A-1E74-4F33-85C0-A9660A1C5922}" destId="{5EBED657-C951-4C9E-9B64-BD013632AFC2}" srcOrd="2" destOrd="0" parTransId="{1213574E-E85B-4B4B-BEA3-F7C2410A1668}" sibTransId="{1672AA7E-9207-4977-9E0A-E6EF529E1763}"/>
+    <dgm:cxn modelId="{456E8A73-15B3-4481-A103-B738F5E8CDF5}" srcId="{821F724A-1E74-4F33-85C0-A9660A1C5922}" destId="{D3955DD9-C210-4034-AF51-E3F5FBE593EC}" srcOrd="0" destOrd="0" parTransId="{7CD85B04-760D-4665-82C4-C4FC55944ED9}" sibTransId="{23C22543-BE3D-4446-8123-D99AF96D6F20}"/>
     <dgm:cxn modelId="{FFB18DE1-8F35-414D-8BA9-9E9AE5C63D2D}" type="presOf" srcId="{BBF97766-C307-49D6-93C4-F0D4199A3AE9}" destId="{3D267A2A-ECFB-432F-8206-C3FBBC3FCDB1}" srcOrd="0" destOrd="0" presId="urn:microsoft.com/office/officeart/2008/layout/SquareAccentList"/>
-    <dgm:cxn modelId="{7A32B0A1-69F2-4810-A64C-59878DA5EED9}" type="presOf" srcId="{5EBED657-C951-4C9E-9B64-BD013632AFC2}" destId="{FBAD7434-1400-42B4-B38D-C41C37B08967}" srcOrd="0" destOrd="0" presId="urn:microsoft.com/office/officeart/2008/layout/SquareAccentList"/>
-    <dgm:cxn modelId="{1E77E61A-AF9B-4589-A1CE-374AA85A0C38}" type="presOf" srcId="{7F14D72B-6427-4A00-9FC5-993A7D83275A}" destId="{7FCF0288-9018-4DA2-A2FB-5D0ADE94DD3A}" srcOrd="0" destOrd="0" presId="urn:microsoft.com/office/officeart/2008/layout/SquareAccentList"/>
-    <dgm:cxn modelId="{19457CDD-80F4-461A-A6AB-8FFAF0C2283D}" type="presOf" srcId="{DC401748-27BB-4E45-820B-B649D6ED9540}" destId="{6B0AA2E4-DB3C-4B1C-8168-2A327F2E7EE5}" srcOrd="0" destOrd="0" presId="urn:microsoft.com/office/officeart/2008/layout/SquareAccentList"/>
-    <dgm:cxn modelId="{30D3FC10-AF3D-488D-8C39-B57805345115}" type="presOf" srcId="{ED5AF5FF-1439-453E-B279-80C8689019C7}" destId="{D8F9E214-F28B-4179-B1CD-FA241914D8E2}" srcOrd="0" destOrd="0" presId="urn:microsoft.com/office/officeart/2008/layout/SquareAccentList"/>
-    <dgm:cxn modelId="{456E8A73-15B3-4481-A103-B738F5E8CDF5}" srcId="{821F724A-1E74-4F33-85C0-A9660A1C5922}" destId="{D3955DD9-C210-4034-AF51-E3F5FBE593EC}" srcOrd="0" destOrd="0" parTransId="{7CD85B04-760D-4665-82C4-C4FC55944ED9}" sibTransId="{23C22543-BE3D-4446-8123-D99AF96D6F20}"/>
+    <dgm:cxn modelId="{C6ABF7DC-9895-4783-A6D8-31969B2FD7E8}" type="presOf" srcId="{D3955DD9-C210-4034-AF51-E3F5FBE593EC}" destId="{E0B056A9-9BB5-473E-9539-630B3E9CECE5}" srcOrd="0" destOrd="0" presId="urn:microsoft.com/office/officeart/2008/layout/SquareAccentList"/>
     <dgm:cxn modelId="{6D30681B-6A69-4F29-B1D3-DA040BB90512}" srcId="{821F724A-1E74-4F33-85C0-A9660A1C5922}" destId="{BBF97766-C307-49D6-93C4-F0D4199A3AE9}" srcOrd="4" destOrd="0" parTransId="{E8BCA929-30F4-4861-888B-FFF0A39AA105}" sibTransId="{2A01CBAC-B6EE-49DD-8AA7-BE4967487686}"/>
-    <dgm:cxn modelId="{9D4768F4-9601-4D3B-B72A-9AD88F035B90}" type="presOf" srcId="{821F724A-1E74-4F33-85C0-A9660A1C5922}" destId="{531E20E0-23D9-4B4F-9352-E5CCF8890C1A}" srcOrd="0" destOrd="0" presId="urn:microsoft.com/office/officeart/2008/layout/SquareAccentList"/>
     <dgm:cxn modelId="{8007EE5C-C4B1-4978-B46D-C4D07488938C}" type="presParOf" srcId="{D8F9E214-F28B-4179-B1CD-FA241914D8E2}" destId="{3797417F-D0F3-4704-A5E1-1E0D8218EF37}" srcOrd="0" destOrd="0" presId="urn:microsoft.com/office/officeart/2008/layout/SquareAccentList"/>
     <dgm:cxn modelId="{AB9C5DE5-40CC-4DE8-8D65-D47D43264470}" type="presParOf" srcId="{3797417F-D0F3-4704-A5E1-1E0D8218EF37}" destId="{70C02842-98CF-41EA-8989-F53AB3E42A32}" srcOrd="0" destOrd="0" presId="urn:microsoft.com/office/officeart/2008/layout/SquareAccentList"/>
     <dgm:cxn modelId="{427A595B-D2DE-426F-BF6D-4B58B94AA343}" type="presParOf" srcId="{70C02842-98CF-41EA-8989-F53AB3E42A32}" destId="{0834B4DE-7686-4B9F-B431-44B64EA7608B}" srcOrd="0" destOrd="0" presId="urn:microsoft.com/office/officeart/2008/layout/SquareAccentList"/>
@@ -11106,8 +11221,13 @@
         <a:p>
           <a:r>
             <a:rPr lang="es-PE" sz="1800" dirty="0" smtClean="0"/>
-            <a:t>Asesora:  Cecilia Villacorta</a:t>
+            <a:t>Asesora:  </a:t>
           </a:r>
+          <a:r>
+            <a:rPr lang="es-PE" sz="1800" dirty="0" smtClean="0"/>
+            <a:t>Rosario Villalta</a:t>
+          </a:r>
+          <a:endParaRPr lang="es-PE" sz="1800" dirty="0" smtClean="0"/>
         </a:p>
         <a:p>
           <a:r>
@@ -11355,7 +11475,7 @@
       </dgm:t>
     </dgm:pt>
     <dgm:pt modelId="{42AD0B5E-A116-4D25-86FF-D47E48D52814}" type="pres">
-      <dgm:prSet presAssocID="{7AAB589A-5D7E-4A72-A712-5917EDE1291B}" presName="BackAccent" presStyleLbl="bgShp" presStyleIdx="2" presStyleCnt="3"/>
+      <dgm:prSet presAssocID="{7AAB589A-5D7E-4A72-A712-5917EDE1291B}" presName="BackAccent" presStyleLbl="bgShp" presStyleIdx="2" presStyleCnt="3" custLinFactNeighborX="7594" custLinFactNeighborY="50682"/>
       <dgm:spPr/>
       <dgm:t>
         <a:bodyPr/>
@@ -11366,7 +11486,7 @@
       </dgm:t>
     </dgm:pt>
     <dgm:pt modelId="{FC07B4F8-BF2F-4EF4-9100-CE772F41564D}" type="pres">
-      <dgm:prSet presAssocID="{7AAB589A-5D7E-4A72-A712-5917EDE1291B}" presName="Accent" presStyleLbl="alignNode1" presStyleIdx="2" presStyleCnt="3"/>
+      <dgm:prSet presAssocID="{7AAB589A-5D7E-4A72-A712-5917EDE1291B}" presName="Accent" presStyleLbl="alignNode1" presStyleIdx="2" presStyleCnt="3" custLinFactNeighborX="9482" custLinFactNeighborY="63355"/>
       <dgm:spPr/>
       <dgm:t>
         <a:bodyPr/>
@@ -11394,7 +11514,7 @@
       </dgm:t>
     </dgm:pt>
     <dgm:pt modelId="{B5C69431-41B5-4FDE-A7F4-B3B7FDE4297E}" type="pres">
-      <dgm:prSet presAssocID="{7AAB589A-5D7E-4A72-A712-5917EDE1291B}" presName="Parent" presStyleLbl="revTx" presStyleIdx="5" presStyleCnt="6">
+      <dgm:prSet presAssocID="{7AAB589A-5D7E-4A72-A712-5917EDE1291B}" presName="Parent" presStyleLbl="revTx" presStyleIdx="5" presStyleCnt="6" custLinFactNeighborX="3160" custLinFactNeighborY="50682">
         <dgm:presLayoutVars>
           <dgm:chMax val="1"/>
           <dgm:chPref val="1"/>
@@ -13390,8 +13510,8 @@
       </dsp:nvSpPr>
       <dsp:spPr>
         <a:xfrm>
-          <a:off x="0" y="533688"/>
-          <a:ext cx="6192688" cy="901562"/>
+          <a:off x="66653" y="424329"/>
+          <a:ext cx="6059381" cy="881204"/>
         </a:xfrm>
         <a:prstGeom prst="rightArrow">
           <a:avLst>
@@ -13435,12 +13555,12 @@
         </a:fontRef>
       </dsp:style>
       <dsp:txBody>
-        <a:bodyPr spcFirstLastPara="0" vert="horz" wrap="square" lIns="64770" tIns="64770" rIns="254000" bIns="143123" numCol="1" spcCol="1270" anchor="ctr" anchorCtr="0">
+        <a:bodyPr spcFirstLastPara="0" vert="horz" wrap="square" lIns="60960" tIns="60960" rIns="254000" bIns="139891" numCol="1" spcCol="1270" anchor="ctr" anchorCtr="0">
           <a:noAutofit/>
         </a:bodyPr>
         <a:lstStyle/>
         <a:p>
-          <a:pPr lvl="0" algn="l" defTabSz="755650">
+          <a:pPr lvl="0" algn="l" defTabSz="711200">
             <a:lnSpc>
               <a:spcPct val="90000"/>
             </a:lnSpc>
@@ -13452,15 +13572,15 @@
             </a:spcAft>
           </a:pPr>
           <a:r>
-            <a:rPr lang="es-PE" sz="1700" b="1" kern="1200" dirty="0" smtClean="0"/>
+            <a:rPr lang="es-PE" sz="1600" b="1" kern="1200" dirty="0" smtClean="0"/>
             <a:t>OE1.</a:t>
           </a:r>
-          <a:endParaRPr lang="es-PE" sz="1700" b="1" kern="1200" dirty="0"/>
+          <a:endParaRPr lang="es-PE" sz="1600" b="1" kern="1200" dirty="0"/>
         </a:p>
       </dsp:txBody>
       <dsp:txXfrm>
-        <a:off x="0" y="759079"/>
-        <a:ext cx="5967298" cy="450781"/>
+        <a:off x="66653" y="644630"/>
+        <a:ext cx="5839080" cy="440602"/>
       </dsp:txXfrm>
     </dsp:sp>
     <dsp:sp modelId="{C7BEC4EE-6F56-4CAC-B9E2-C2002D9555A5}">
@@ -13470,8 +13590,8 @@
       </dsp:nvSpPr>
       <dsp:spPr>
         <a:xfrm>
-          <a:off x="0" y="1230394"/>
-          <a:ext cx="1427414" cy="1667618"/>
+          <a:off x="66653" y="1102727"/>
+          <a:ext cx="1119894" cy="1618031"/>
         </a:xfrm>
         <a:prstGeom prst="rect">
           <a:avLst/>
@@ -13510,12 +13630,12 @@
         <a:fontRef idx="minor"/>
       </dsp:style>
       <dsp:txBody>
-        <a:bodyPr spcFirstLastPara="0" vert="horz" wrap="square" lIns="45720" tIns="45720" rIns="45720" bIns="45720" numCol="1" spcCol="1270" anchor="t" anchorCtr="0">
+        <a:bodyPr spcFirstLastPara="0" vert="horz" wrap="square" lIns="38100" tIns="38100" rIns="38100" bIns="38100" numCol="1" spcCol="1270" anchor="t" anchorCtr="0">
           <a:noAutofit/>
         </a:bodyPr>
         <a:lstStyle/>
         <a:p>
-          <a:pPr lvl="0" algn="ctr" defTabSz="533400">
+          <a:pPr lvl="0" algn="ctr" defTabSz="444500">
             <a:lnSpc>
               <a:spcPct val="90000"/>
             </a:lnSpc>
@@ -13527,15 +13647,15 @@
             </a:spcAft>
           </a:pPr>
           <a:r>
-            <a:rPr lang="es-ES" sz="1200" kern="1200" dirty="0" smtClean="0"/>
+            <a:rPr lang="es-ES" sz="1000" kern="1200" dirty="0" smtClean="0"/>
             <a:t>Completar el modelado de los Macroprocesos de Gestión de Abastecimiento, Contabilidad y Presupuestos; y Gestión de Obras Civiles.</a:t>
           </a:r>
-          <a:endParaRPr lang="es-PE" sz="1200" kern="1200" dirty="0" smtClean="0"/>
+          <a:endParaRPr lang="es-PE" sz="1000" kern="1200" dirty="0" smtClean="0"/>
         </a:p>
       </dsp:txBody>
       <dsp:txXfrm>
-        <a:off x="0" y="1230394"/>
-        <a:ext cx="1427414" cy="1667618"/>
+        <a:off x="66653" y="1102727"/>
+        <a:ext cx="1119894" cy="1618031"/>
       </dsp:txXfrm>
     </dsp:sp>
     <dsp:sp modelId="{3BD18C96-D45A-4B71-B5B5-B0C6FC55D039}">
@@ -13545,8 +13665,8 @@
       </dsp:nvSpPr>
       <dsp:spPr>
         <a:xfrm>
-          <a:off x="1427414" y="834102"/>
-          <a:ext cx="4765273" cy="901562"/>
+          <a:off x="1186426" y="718177"/>
+          <a:ext cx="4939607" cy="881204"/>
         </a:xfrm>
         <a:prstGeom prst="rightArrow">
           <a:avLst>
@@ -13556,9 +13676,9 @@
         </a:prstGeom>
         <a:solidFill>
           <a:schemeClr val="accent2">
-            <a:hueOff val="1560506"/>
-            <a:satOff val="-1946"/>
-            <a:lumOff val="458"/>
+            <a:hueOff val="1170380"/>
+            <a:satOff val="-1460"/>
+            <a:lumOff val="343"/>
             <a:alphaOff val="0"/>
           </a:schemeClr>
         </a:solidFill>
@@ -13590,12 +13710,12 @@
         </a:fontRef>
       </dsp:style>
       <dsp:txBody>
-        <a:bodyPr spcFirstLastPara="0" vert="horz" wrap="square" lIns="64770" tIns="64770" rIns="254000" bIns="143123" numCol="1" spcCol="1270" anchor="ctr" anchorCtr="0">
+        <a:bodyPr spcFirstLastPara="0" vert="horz" wrap="square" lIns="60960" tIns="60960" rIns="254000" bIns="139891" numCol="1" spcCol="1270" anchor="ctr" anchorCtr="0">
           <a:noAutofit/>
         </a:bodyPr>
         <a:lstStyle/>
         <a:p>
-          <a:pPr lvl="0" algn="l" defTabSz="755650">
+          <a:pPr lvl="0" algn="l" defTabSz="711200">
             <a:lnSpc>
               <a:spcPct val="90000"/>
             </a:lnSpc>
@@ -13607,15 +13727,15 @@
             </a:spcAft>
           </a:pPr>
           <a:r>
-            <a:rPr lang="es-PE" sz="1700" b="1" kern="1200" dirty="0" smtClean="0"/>
+            <a:rPr lang="es-PE" sz="1600" b="1" kern="1200" dirty="0" smtClean="0"/>
             <a:t>OE2.</a:t>
           </a:r>
-          <a:endParaRPr lang="es-PE" sz="1700" b="1" kern="1200" dirty="0"/>
+          <a:endParaRPr lang="es-PE" sz="1600" b="1" kern="1200" dirty="0"/>
         </a:p>
       </dsp:txBody>
       <dsp:txXfrm>
-        <a:off x="1427414" y="1059493"/>
-        <a:ext cx="4539883" cy="450781"/>
+        <a:off x="1186426" y="938478"/>
+        <a:ext cx="4719306" cy="440602"/>
       </dsp:txXfrm>
     </dsp:sp>
     <dsp:sp modelId="{79270A26-50A4-4D55-9ADA-50D6D53B25E5}">
@@ -13625,8 +13745,8 @@
       </dsp:nvSpPr>
       <dsp:spPr>
         <a:xfrm>
-          <a:off x="1427414" y="1530808"/>
-          <a:ext cx="1427414" cy="1625113"/>
+          <a:off x="1186426" y="1396575"/>
+          <a:ext cx="1119894" cy="1618031"/>
         </a:xfrm>
         <a:prstGeom prst="rect">
           <a:avLst/>
@@ -13642,9 +13762,9 @@
         <a:ln w="25400" cap="flat" cmpd="sng" algn="ctr">
           <a:solidFill>
             <a:schemeClr val="accent2">
-              <a:hueOff val="1560506"/>
-              <a:satOff val="-1946"/>
-              <a:lumOff val="458"/>
+              <a:hueOff val="1170380"/>
+              <a:satOff val="-1460"/>
+              <a:lumOff val="343"/>
               <a:alphaOff val="0"/>
             </a:schemeClr>
           </a:solidFill>
@@ -13689,19 +13809,19 @@
         </a:p>
       </dsp:txBody>
       <dsp:txXfrm>
-        <a:off x="1427414" y="1530808"/>
-        <a:ext cx="1427414" cy="1625113"/>
+        <a:off x="1186426" y="1396575"/>
+        <a:ext cx="1119894" cy="1618031"/>
       </dsp:txXfrm>
     </dsp:sp>
-    <dsp:sp modelId="{91010C94-2883-4378-BAD9-100D4E5ACE7F}">
+    <dsp:sp modelId="{A44A4C86-F22A-41AB-A79B-E2AD6698B61E}">
       <dsp:nvSpPr>
         <dsp:cNvPr id="0" name=""/>
         <dsp:cNvSpPr/>
       </dsp:nvSpPr>
       <dsp:spPr>
         <a:xfrm>
-          <a:off x="2854829" y="1134517"/>
-          <a:ext cx="3337858" cy="901562"/>
+          <a:off x="2306200" y="1012025"/>
+          <a:ext cx="3819834" cy="881204"/>
         </a:xfrm>
         <a:prstGeom prst="rightArrow">
           <a:avLst>
@@ -13711,9 +13831,9 @@
         </a:prstGeom>
         <a:solidFill>
           <a:schemeClr val="accent2">
-            <a:hueOff val="3121013"/>
-            <a:satOff val="-3893"/>
-            <a:lumOff val="915"/>
+            <a:hueOff val="2340759"/>
+            <a:satOff val="-2919"/>
+            <a:lumOff val="686"/>
             <a:alphaOff val="0"/>
           </a:schemeClr>
         </a:solidFill>
@@ -13745,12 +13865,12 @@
         </a:fontRef>
       </dsp:style>
       <dsp:txBody>
-        <a:bodyPr spcFirstLastPara="0" vert="horz" wrap="square" lIns="64770" tIns="64770" rIns="254000" bIns="143123" numCol="1" spcCol="1270" anchor="ctr" anchorCtr="0">
+        <a:bodyPr spcFirstLastPara="0" vert="horz" wrap="square" lIns="60960" tIns="60960" rIns="254000" bIns="139891" numCol="1" spcCol="1270" anchor="ctr" anchorCtr="0">
           <a:noAutofit/>
         </a:bodyPr>
         <a:lstStyle/>
         <a:p>
-          <a:pPr lvl="0" algn="l" defTabSz="755650">
+          <a:pPr lvl="0" algn="l" defTabSz="711200">
             <a:lnSpc>
               <a:spcPct val="90000"/>
             </a:lnSpc>
@@ -13762,26 +13882,26 @@
             </a:spcAft>
           </a:pPr>
           <a:r>
-            <a:rPr lang="es-PE" sz="1700" b="1" kern="1200" dirty="0" smtClean="0"/>
+            <a:rPr lang="es-PE" sz="1600" b="1" kern="1200" dirty="0" smtClean="0"/>
             <a:t>OE3.</a:t>
           </a:r>
-          <a:endParaRPr lang="es-PE" sz="1700" b="1" kern="1200" dirty="0"/>
+          <a:endParaRPr lang="es-PE" sz="1600" b="1" kern="1200" dirty="0"/>
         </a:p>
       </dsp:txBody>
       <dsp:txXfrm>
-        <a:off x="2854829" y="1359908"/>
-        <a:ext cx="3112468" cy="450781"/>
+        <a:off x="2306200" y="1232326"/>
+        <a:ext cx="3599533" cy="440602"/>
       </dsp:txXfrm>
     </dsp:sp>
-    <dsp:sp modelId="{86E417DA-FBEE-4BF7-A528-ADF85765FA07}">
+    <dsp:sp modelId="{8EC5CADF-EF7E-4F27-8E65-EA96A7B9A71D}">
       <dsp:nvSpPr>
         <dsp:cNvPr id="0" name=""/>
         <dsp:cNvSpPr/>
       </dsp:nvSpPr>
       <dsp:spPr>
         <a:xfrm>
-          <a:off x="2854829" y="1831222"/>
-          <a:ext cx="1427414" cy="1635979"/>
+          <a:off x="2306200" y="1690423"/>
+          <a:ext cx="1119894" cy="1618031"/>
         </a:xfrm>
         <a:prstGeom prst="rect">
           <a:avLst/>
@@ -13797,9 +13917,9 @@
         <a:ln w="25400" cap="flat" cmpd="sng" algn="ctr">
           <a:solidFill>
             <a:schemeClr val="accent2">
-              <a:hueOff val="3121013"/>
-              <a:satOff val="-3893"/>
-              <a:lumOff val="915"/>
+              <a:hueOff val="2340759"/>
+              <a:satOff val="-2919"/>
+              <a:lumOff val="686"/>
               <a:alphaOff val="0"/>
             </a:schemeClr>
           </a:solidFill>
@@ -13837,26 +13957,181 @@
             </a:spcAft>
           </a:pPr>
           <a:r>
-            <a:rPr lang="es-ES" sz="1200" kern="1200" dirty="0" smtClean="0"/>
-            <a:t>Integrar los nuevos procesos definidos con los que fueron desarrollados en el Proyecto de Tesis “Modelo de Negocios Empresarial de la Oficina Central Fe y Alegría”.</a:t>
+            <a:rPr lang="es-PE" sz="1200" kern="1200" dirty="0" smtClean="0"/>
+            <a:t>Modificar los procesos que se relacionen con los realizados por el Dpto. de Administración y a la Oficina de Coordinación de Programas Educativos Rurales, que pertenezcan a los Macroprocesos de Planificación; Gestión de Imagen Institucional y Donaciones;  Gestión de Proyectos; Gestión de Aseguramiento de la Calidad Educativa; y Gestión de Orientación Pastoral, desarrollados en el Proyecto de Tesis “Modelo de Negocios Empresarial de la Oficina Central Fe y Alegría”.</a:t>
           </a:r>
           <a:endParaRPr lang="es-PE" sz="1200" kern="1200" dirty="0"/>
         </a:p>
       </dsp:txBody>
       <dsp:txXfrm>
-        <a:off x="2854829" y="1831222"/>
-        <a:ext cx="1427414" cy="1635979"/>
+        <a:off x="2306200" y="1690423"/>
+        <a:ext cx="1119894" cy="1618031"/>
       </dsp:txXfrm>
     </dsp:sp>
-    <dsp:sp modelId="{FD5223F0-D32C-487E-920F-9AD533BC0584}">
+    <dsp:sp modelId="{0CD82B2E-AE47-4AEC-A806-1DEA6AEA6C38}">
       <dsp:nvSpPr>
         <dsp:cNvPr id="0" name=""/>
         <dsp:cNvSpPr/>
       </dsp:nvSpPr>
       <dsp:spPr>
         <a:xfrm>
-          <a:off x="4282243" y="1434931"/>
-          <a:ext cx="1910444" cy="901562"/>
+          <a:off x="3426580" y="1305872"/>
+          <a:ext cx="2699454" cy="881204"/>
+        </a:xfrm>
+        <a:prstGeom prst="rightArrow">
+          <a:avLst>
+            <a:gd name="adj1" fmla="val 50000"/>
+            <a:gd name="adj2" fmla="val 50000"/>
+          </a:avLst>
+        </a:prstGeom>
+        <a:solidFill>
+          <a:schemeClr val="accent2">
+            <a:hueOff val="3511139"/>
+            <a:satOff val="-4379"/>
+            <a:lumOff val="1030"/>
+            <a:alphaOff val="0"/>
+          </a:schemeClr>
+        </a:solidFill>
+        <a:ln w="25400" cap="flat" cmpd="sng" algn="ctr">
+          <a:solidFill>
+            <a:schemeClr val="lt1">
+              <a:hueOff val="0"/>
+              <a:satOff val="0"/>
+              <a:lumOff val="0"/>
+              <a:alphaOff val="0"/>
+            </a:schemeClr>
+          </a:solidFill>
+          <a:prstDash val="solid"/>
+        </a:ln>
+        <a:effectLst/>
+      </dsp:spPr>
+      <dsp:style>
+        <a:lnRef idx="2">
+          <a:scrgbClr r="0" g="0" b="0"/>
+        </a:lnRef>
+        <a:fillRef idx="1">
+          <a:scrgbClr r="0" g="0" b="0"/>
+        </a:fillRef>
+        <a:effectRef idx="0">
+          <a:scrgbClr r="0" g="0" b="0"/>
+        </a:effectRef>
+        <a:fontRef idx="minor">
+          <a:schemeClr val="lt1"/>
+        </a:fontRef>
+      </dsp:style>
+      <dsp:txBody>
+        <a:bodyPr spcFirstLastPara="0" vert="horz" wrap="square" lIns="60960" tIns="60960" rIns="254000" bIns="139891" numCol="1" spcCol="1270" anchor="ctr" anchorCtr="0">
+          <a:noAutofit/>
+        </a:bodyPr>
+        <a:lstStyle/>
+        <a:p>
+          <a:pPr lvl="0" algn="l" defTabSz="711200">
+            <a:lnSpc>
+              <a:spcPct val="90000"/>
+            </a:lnSpc>
+            <a:spcBef>
+              <a:spcPct val="0"/>
+            </a:spcBef>
+            <a:spcAft>
+              <a:spcPct val="35000"/>
+            </a:spcAft>
+          </a:pPr>
+          <a:r>
+            <a:rPr lang="es-PE" sz="1600" b="1" kern="1200" dirty="0" smtClean="0"/>
+            <a:t>OE4.</a:t>
+          </a:r>
+          <a:endParaRPr lang="es-PE" sz="1600" b="1" kern="1200" dirty="0"/>
+        </a:p>
+      </dsp:txBody>
+      <dsp:txXfrm>
+        <a:off x="3426580" y="1526173"/>
+        <a:ext cx="2479153" cy="440602"/>
+      </dsp:txXfrm>
+    </dsp:sp>
+    <dsp:sp modelId="{B0C26EDE-A5A8-46C8-ADB7-848795BE8B1F}">
+      <dsp:nvSpPr>
+        <dsp:cNvPr id="0" name=""/>
+        <dsp:cNvSpPr/>
+      </dsp:nvSpPr>
+      <dsp:spPr>
+        <a:xfrm>
+          <a:off x="3426580" y="1984270"/>
+          <a:ext cx="1119894" cy="1618031"/>
+        </a:xfrm>
+        <a:prstGeom prst="rect">
+          <a:avLst/>
+        </a:prstGeom>
+        <a:solidFill>
+          <a:schemeClr val="lt1">
+            <a:hueOff val="0"/>
+            <a:satOff val="0"/>
+            <a:lumOff val="0"/>
+            <a:alphaOff val="0"/>
+          </a:schemeClr>
+        </a:solidFill>
+        <a:ln w="25400" cap="flat" cmpd="sng" algn="ctr">
+          <a:solidFill>
+            <a:schemeClr val="accent2">
+              <a:hueOff val="3511139"/>
+              <a:satOff val="-4379"/>
+              <a:lumOff val="1030"/>
+              <a:alphaOff val="0"/>
+            </a:schemeClr>
+          </a:solidFill>
+          <a:prstDash val="solid"/>
+        </a:ln>
+        <a:effectLst/>
+      </dsp:spPr>
+      <dsp:style>
+        <a:lnRef idx="2">
+          <a:scrgbClr r="0" g="0" b="0"/>
+        </a:lnRef>
+        <a:fillRef idx="1">
+          <a:scrgbClr r="0" g="0" b="0"/>
+        </a:fillRef>
+        <a:effectRef idx="0">
+          <a:scrgbClr r="0" g="0" b="0"/>
+        </a:effectRef>
+        <a:fontRef idx="minor"/>
+      </dsp:style>
+      <dsp:txBody>
+        <a:bodyPr spcFirstLastPara="0" vert="horz" wrap="square" lIns="38100" tIns="38100" rIns="38100" bIns="38100" numCol="1" spcCol="1270" anchor="t" anchorCtr="0">
+          <a:noAutofit/>
+        </a:bodyPr>
+        <a:lstStyle/>
+        <a:p>
+          <a:pPr lvl="0" algn="l" defTabSz="444500">
+            <a:lnSpc>
+              <a:spcPct val="90000"/>
+            </a:lnSpc>
+            <a:spcBef>
+              <a:spcPct val="0"/>
+            </a:spcBef>
+            <a:spcAft>
+              <a:spcPct val="35000"/>
+            </a:spcAft>
+          </a:pPr>
+          <a:r>
+            <a:rPr lang="es-ES" sz="1000" kern="1200" dirty="0" smtClean="0"/>
+            <a:t>Integrar los nuevos procesos definidos con los que fueron desarrollados en el Proyecto de Tesis “Modelo de Negocios Empresarial de la Oficina Central Fe y Alegría”.</a:t>
+          </a:r>
+          <a:endParaRPr lang="es-PE" sz="1000" kern="1200" dirty="0"/>
+        </a:p>
+      </dsp:txBody>
+      <dsp:txXfrm>
+        <a:off x="3426580" y="1984270"/>
+        <a:ext cx="1119894" cy="1618031"/>
+      </dsp:txXfrm>
+    </dsp:sp>
+    <dsp:sp modelId="{74FC3293-916E-4150-ABC2-46A9CAFBD4E1}">
+      <dsp:nvSpPr>
+        <dsp:cNvPr id="0" name=""/>
+        <dsp:cNvSpPr/>
+      </dsp:nvSpPr>
+      <dsp:spPr>
+        <a:xfrm>
+          <a:off x="4546354" y="1599720"/>
+          <a:ext cx="1579680" cy="881204"/>
         </a:xfrm>
         <a:prstGeom prst="rightArrow">
           <a:avLst>
@@ -13900,12 +14175,12 @@
         </a:fontRef>
       </dsp:style>
       <dsp:txBody>
-        <a:bodyPr spcFirstLastPara="0" vert="horz" wrap="square" lIns="64770" tIns="64770" rIns="254000" bIns="143123" numCol="1" spcCol="1270" anchor="ctr" anchorCtr="0">
+        <a:bodyPr spcFirstLastPara="0" vert="horz" wrap="square" lIns="60960" tIns="60960" rIns="254000" bIns="139891" numCol="1" spcCol="1270" anchor="ctr" anchorCtr="0">
           <a:noAutofit/>
         </a:bodyPr>
         <a:lstStyle/>
         <a:p>
-          <a:pPr lvl="0" algn="l" defTabSz="755650">
+          <a:pPr lvl="0" algn="l" defTabSz="711200">
             <a:lnSpc>
               <a:spcPct val="90000"/>
             </a:lnSpc>
@@ -13917,26 +14192,26 @@
             </a:spcAft>
           </a:pPr>
           <a:r>
-            <a:rPr lang="es-PE" sz="1700" b="1" kern="1200" dirty="0" smtClean="0"/>
-            <a:t>OE4.</a:t>
+            <a:rPr lang="es-PE" sz="1600" b="1" kern="1200" dirty="0" smtClean="0"/>
+            <a:t>OE5.</a:t>
           </a:r>
-          <a:endParaRPr lang="es-PE" sz="1700" b="1" kern="1200" dirty="0"/>
+          <a:endParaRPr lang="es-PE" sz="1600" b="1" kern="1200" dirty="0"/>
         </a:p>
       </dsp:txBody>
       <dsp:txXfrm>
-        <a:off x="4282243" y="1660322"/>
-        <a:ext cx="1685054" cy="450781"/>
+        <a:off x="4546354" y="1820021"/>
+        <a:ext cx="1359379" cy="440602"/>
       </dsp:txXfrm>
     </dsp:sp>
-    <dsp:sp modelId="{F52E9F08-9B78-489A-BCED-665228F7B3BE}">
+    <dsp:sp modelId="{4967F57D-5DA8-4AD5-9546-F790B1E1FA0A}">
       <dsp:nvSpPr>
         <dsp:cNvPr id="0" name=""/>
         <dsp:cNvSpPr/>
       </dsp:nvSpPr>
       <dsp:spPr>
         <a:xfrm>
-          <a:off x="4282243" y="2131636"/>
-          <a:ext cx="1440419" cy="1655154"/>
+          <a:off x="4546354" y="2278118"/>
+          <a:ext cx="1119894" cy="1618031"/>
         </a:xfrm>
         <a:prstGeom prst="rect">
           <a:avLst/>
@@ -13999,8 +14274,8 @@
         </a:p>
       </dsp:txBody>
       <dsp:txXfrm>
-        <a:off x="4282243" y="2131636"/>
-        <a:ext cx="1440419" cy="1655154"/>
+        <a:off x="4546354" y="2278118"/>
+        <a:ext cx="1119894" cy="1618031"/>
       </dsp:txXfrm>
     </dsp:sp>
   </dsp:spTree>
@@ -16886,7 +17161,7 @@
       </dsp:nvSpPr>
       <dsp:spPr>
         <a:xfrm>
-          <a:off x="5500184" y="39955"/>
+          <a:off x="5544618" y="336506"/>
           <a:ext cx="585122" cy="585122"/>
         </a:xfrm>
         <a:prstGeom prst="ellipse">
@@ -16926,7 +17201,7 @@
       </dsp:nvSpPr>
       <dsp:spPr>
         <a:xfrm>
-          <a:off x="5558696" y="98467"/>
+          <a:off x="5603081" y="395030"/>
           <a:ext cx="468097" cy="468097"/>
         </a:xfrm>
         <a:prstGeom prst="chord">
@@ -17021,8 +17296,13 @@
           </a:pPr>
           <a:r>
             <a:rPr lang="es-PE" sz="1800" kern="1200" dirty="0" smtClean="0"/>
-            <a:t>Asesora:  Cecilia Villacorta</a:t>
+            <a:t>Asesora:  </a:t>
           </a:r>
+          <a:r>
+            <a:rPr lang="es-PE" sz="1800" kern="1200" dirty="0" smtClean="0"/>
+            <a:t>Rosario Villalta</a:t>
+          </a:r>
+          <a:endParaRPr lang="es-PE" sz="1800" kern="1200" dirty="0" smtClean="0"/>
         </a:p>
         <a:p>
           <a:pPr lvl="0" algn="l" defTabSz="800100">
@@ -17127,7 +17407,7 @@
       </dsp:nvSpPr>
       <dsp:spPr>
         <a:xfrm>
-          <a:off x="6207207" y="39955"/>
+          <a:off x="6261906" y="336506"/>
           <a:ext cx="1730986" cy="585122"/>
         </a:xfrm>
         <a:prstGeom prst="rect">
@@ -17176,7 +17456,7 @@
         </a:p>
       </dsp:txBody>
       <dsp:txXfrm>
-        <a:off x="6207207" y="39955"/>
+        <a:off x="6261906" y="336506"/>
         <a:ext cx="1730986" cy="585122"/>
       </dsp:txXfrm>
     </dsp:sp>
@@ -34258,7 +34538,7 @@
           <a:p>
             <a:fld id="{F96B5396-5BD2-4C54-B49C-6E8616EF0D1C}" type="datetimeFigureOut">
               <a:rPr lang="es-PE" smtClean="0"/>
-              <a:t>21/09/2011</a:t>
+              <a:t>27/09/2011</a:t>
             </a:fld>
             <a:endParaRPr lang="es-PE" dirty="0"/>
           </a:p>
@@ -34817,7 +35097,7 @@
           <a:p>
             <a:fld id="{DD1C3FE2-8E2D-4F64-A71F-BE28A2FAFC5E}" type="datetimeFigureOut">
               <a:rPr lang="es-PE" smtClean="0"/>
-              <a:t>21/09/2011</a:t>
+              <a:t>27/09/2011</a:t>
             </a:fld>
             <a:endParaRPr lang="es-PE" dirty="0"/>
           </a:p>
@@ -34987,7 +35267,7 @@
           <a:p>
             <a:fld id="{DD1C3FE2-8E2D-4F64-A71F-BE28A2FAFC5E}" type="datetimeFigureOut">
               <a:rPr lang="es-PE" smtClean="0"/>
-              <a:t>21/09/2011</a:t>
+              <a:t>27/09/2011</a:t>
             </a:fld>
             <a:endParaRPr lang="es-PE" dirty="0"/>
           </a:p>
@@ -35167,7 +35447,7 @@
           <a:p>
             <a:fld id="{DD1C3FE2-8E2D-4F64-A71F-BE28A2FAFC5E}" type="datetimeFigureOut">
               <a:rPr lang="es-PE" smtClean="0"/>
-              <a:t>21/09/2011</a:t>
+              <a:t>27/09/2011</a:t>
             </a:fld>
             <a:endParaRPr lang="es-PE" dirty="0"/>
           </a:p>
@@ -35337,7 +35617,7 @@
           <a:p>
             <a:fld id="{DD1C3FE2-8E2D-4F64-A71F-BE28A2FAFC5E}" type="datetimeFigureOut">
               <a:rPr lang="es-PE" smtClean="0"/>
-              <a:t>21/09/2011</a:t>
+              <a:t>27/09/2011</a:t>
             </a:fld>
             <a:endParaRPr lang="es-PE" dirty="0"/>
           </a:p>
@@ -35583,7 +35863,7 @@
           <a:p>
             <a:fld id="{DD1C3FE2-8E2D-4F64-A71F-BE28A2FAFC5E}" type="datetimeFigureOut">
               <a:rPr lang="es-PE" smtClean="0"/>
-              <a:t>21/09/2011</a:t>
+              <a:t>27/09/2011</a:t>
             </a:fld>
             <a:endParaRPr lang="es-PE" dirty="0"/>
           </a:p>
@@ -35871,7 +36151,7 @@
           <a:p>
             <a:fld id="{DD1C3FE2-8E2D-4F64-A71F-BE28A2FAFC5E}" type="datetimeFigureOut">
               <a:rPr lang="es-PE" smtClean="0"/>
-              <a:t>21/09/2011</a:t>
+              <a:t>27/09/2011</a:t>
             </a:fld>
             <a:endParaRPr lang="es-PE" dirty="0"/>
           </a:p>
@@ -36293,7 +36573,7 @@
           <a:p>
             <a:fld id="{DD1C3FE2-8E2D-4F64-A71F-BE28A2FAFC5E}" type="datetimeFigureOut">
               <a:rPr lang="es-PE" smtClean="0"/>
-              <a:t>21/09/2011</a:t>
+              <a:t>27/09/2011</a:t>
             </a:fld>
             <a:endParaRPr lang="es-PE" dirty="0"/>
           </a:p>
@@ -36411,7 +36691,7 @@
           <a:p>
             <a:fld id="{DD1C3FE2-8E2D-4F64-A71F-BE28A2FAFC5E}" type="datetimeFigureOut">
               <a:rPr lang="es-PE" smtClean="0"/>
-              <a:t>21/09/2011</a:t>
+              <a:t>27/09/2011</a:t>
             </a:fld>
             <a:endParaRPr lang="es-PE" dirty="0"/>
           </a:p>
@@ -36506,7 +36786,7 @@
           <a:p>
             <a:fld id="{DD1C3FE2-8E2D-4F64-A71F-BE28A2FAFC5E}" type="datetimeFigureOut">
               <a:rPr lang="es-PE" smtClean="0"/>
-              <a:t>21/09/2011</a:t>
+              <a:t>27/09/2011</a:t>
             </a:fld>
             <a:endParaRPr lang="es-PE" dirty="0"/>
           </a:p>
@@ -36783,7 +37063,7 @@
           <a:p>
             <a:fld id="{DD1C3FE2-8E2D-4F64-A71F-BE28A2FAFC5E}" type="datetimeFigureOut">
               <a:rPr lang="es-PE" smtClean="0"/>
-              <a:t>21/09/2011</a:t>
+              <a:t>27/09/2011</a:t>
             </a:fld>
             <a:endParaRPr lang="es-PE" dirty="0"/>
           </a:p>
@@ -37036,7 +37316,7 @@
           <a:p>
             <a:fld id="{DD1C3FE2-8E2D-4F64-A71F-BE28A2FAFC5E}" type="datetimeFigureOut">
               <a:rPr lang="es-PE" smtClean="0"/>
-              <a:t>21/09/2011</a:t>
+              <a:t>27/09/2011</a:t>
             </a:fld>
             <a:endParaRPr lang="es-PE" dirty="0"/>
           </a:p>
@@ -37249,7 +37529,7 @@
           <a:p>
             <a:fld id="{DD1C3FE2-8E2D-4F64-A71F-BE28A2FAFC5E}" type="datetimeFigureOut">
               <a:rPr lang="es-PE" smtClean="0"/>
-              <a:t>21/09/2011</a:t>
+              <a:t>27/09/2011</a:t>
             </a:fld>
             <a:endParaRPr lang="es-PE" dirty="0"/>
           </a:p>
@@ -49311,7 +49591,7 @@
           <p:nvPr>
             <p:extLst>
               <p:ext uri="{D42A27DB-BD31-4B8C-83A1-F6EECF244321}">
-                <p14:modId xmlns:p14="http://schemas.microsoft.com/office/powerpoint/2010/main" val="724507824"/>
+                <p14:modId xmlns:p14="http://schemas.microsoft.com/office/powerpoint/2010/main" val="145196792"/>
               </p:ext>
             </p:extLst>
           </p:nvPr>
@@ -50052,7 +50332,7 @@
           <p:nvPr>
             <p:extLst>
               <p:ext uri="{D42A27DB-BD31-4B8C-83A1-F6EECF244321}">
-                <p14:modId xmlns:p14="http://schemas.microsoft.com/office/powerpoint/2010/main" val="504729027"/>
+                <p14:modId xmlns:p14="http://schemas.microsoft.com/office/powerpoint/2010/main" val="1158353315"/>
               </p:ext>
             </p:extLst>
           </p:nvPr>

--- a/Presentación Sem 7 - 2011.2/Presentación Final v1.0.pptx
+++ b/Presentación Sem 7 - 2011.2/Presentación Final v1.0.pptx
@@ -8685,7 +8685,15 @@
           <a:pPr algn="ctr"/>
           <a:r>
             <a:rPr lang="es-ES" sz="1200" dirty="0" smtClean="0"/>
-            <a:t>Actualizar todos los documentos elaborados en el Proyecto de Tesis “Modelo de Negocios Empresarial de la Oficina Central Fe y Alegría”.</a:t>
+            <a:t>Actualizar todos los documentos elaborados en el Proyecto </a:t>
+          </a:r>
+          <a:r>
+            <a:rPr lang="es-ES" sz="1200" dirty="0" smtClean="0"/>
+            <a:t>Profesional “Modelo </a:t>
+          </a:r>
+          <a:r>
+            <a:rPr lang="es-ES" sz="1200" dirty="0" smtClean="0"/>
+            <a:t>de Negocios Empresarial de la Oficina Central Fe y Alegría”.</a:t>
           </a:r>
           <a:endParaRPr lang="es-PE" sz="1200" dirty="0"/>
         </a:p>
@@ -8761,7 +8769,15 @@
           <a:pPr algn="ctr"/>
           <a:r>
             <a:rPr lang="es-PE" sz="1200" dirty="0" smtClean="0"/>
-            <a:t>Modificar los procesos que se relacionen con los realizados por el Dpto. de Administración y a la Oficina de Coordinación de Programas Educativos Rurales, que pertenezcan a los Macroprocesos de Planificación; Gestión de Imagen Institucional y Donaciones;  Gestión de Proyectos; Gestión de Aseguramiento de la Calidad Educativa; y Gestión de Orientación Pastoral, desarrollados en el Proyecto de Tesis “Modelo de Negocios Empresarial de la Oficina Central Fe y Alegría”.</a:t>
+            <a:t>Modificar los procesos que se relacionen con los realizados por el Dpto. de Administración y a la Oficina de Coordinación de Programas Educativos Rurales, que pertenezcan a los Macroprocesos de Planificación; Gestión de Imagen Institucional y Donaciones;  Gestión de Proyectos; Gestión de Aseguramiento de la Calidad Educativa; y Gestión de Orientación Pastoral, desarrollados en el Proyecto </a:t>
+          </a:r>
+          <a:r>
+            <a:rPr lang="es-PE" sz="1200" dirty="0" smtClean="0"/>
+            <a:t>Profesional “Modelo </a:t>
+          </a:r>
+          <a:r>
+            <a:rPr lang="es-PE" sz="1200" dirty="0" smtClean="0"/>
+            <a:t>de Negocios Empresarial de la Oficina Central Fe y Alegría”.</a:t>
           </a:r>
           <a:endParaRPr lang="es-PE" sz="1200" dirty="0"/>
         </a:p>
@@ -8836,7 +8852,15 @@
           <a:pPr algn="ctr"/>
           <a:r>
             <a:rPr lang="es-ES" dirty="0" smtClean="0"/>
-            <a:t>Integrar los nuevos procesos definidos con los que fueron desarrollados en el Proyecto de Tesis “Modelo de Negocios Empresarial de la Oficina Central Fe y Alegría”.</a:t>
+            <a:t>Integrar los nuevos procesos definidos con los que fueron desarrollados en el Proyecto </a:t>
+          </a:r>
+          <a:r>
+            <a:rPr lang="es-ES" dirty="0" smtClean="0"/>
+            <a:t>Profesional “Modelo </a:t>
+          </a:r>
+          <a:r>
+            <a:rPr lang="es-ES" dirty="0" smtClean="0"/>
+            <a:t>de Negocios Empresarial de la Oficina Central Fe y Alegría”.</a:t>
           </a:r>
           <a:endParaRPr lang="es-PE" dirty="0"/>
         </a:p>
@@ -9054,27 +9078,27 @@
     </dgm:pt>
   </dgm:ptLst>
   <dgm:cxnLst>
+    <dgm:cxn modelId="{68A4B644-4E46-47A4-A84E-0B5B446F3A65}" type="presOf" srcId="{03624C03-41C3-4954-BD35-C9F749B3846D}" destId="{B0C26EDE-A5A8-46C8-ADB7-848795BE8B1F}" srcOrd="0" destOrd="0" presId="urn:microsoft.com/office/officeart/2009/3/layout/IncreasingArrowsProcess"/>
     <dgm:cxn modelId="{A6CA14D9-E28D-4656-9850-FF658776B098}" srcId="{D6FA47E8-581E-49CD-8BF2-0C2FC83C6702}" destId="{3C242284-50C7-4B9D-A866-0CF057E23FB1}" srcOrd="2" destOrd="0" parTransId="{7F4B0401-3D50-4529-80A3-9173F737A4E4}" sibTransId="{C850BB20-CD5D-409B-8DF8-9BF0B1D4CA86}"/>
+    <dgm:cxn modelId="{DC0C25C4-775E-41FE-82EF-3A8EC916671B}" type="presOf" srcId="{D6FA47E8-581E-49CD-8BF2-0C2FC83C6702}" destId="{C9937954-5D73-4A53-B904-8B3994A115AB}" srcOrd="0" destOrd="0" presId="urn:microsoft.com/office/officeart/2009/3/layout/IncreasingArrowsProcess"/>
+    <dgm:cxn modelId="{F9FEE89B-3206-4245-9C61-5AD4C0AFB9D3}" srcId="{D6FA47E8-581E-49CD-8BF2-0C2FC83C6702}" destId="{A9B43EF2-383C-470D-B7F3-05BC1073C854}" srcOrd="0" destOrd="0" parTransId="{7FBB1A13-D1AE-419D-B60B-0A43A1562DE9}" sibTransId="{68D2ECDC-33C5-477C-BF95-98FBC427614A}"/>
+    <dgm:cxn modelId="{BA3EA347-DC15-41A7-B9D8-7858B81AF4E8}" type="presOf" srcId="{5885A5C4-3C2F-45E7-8FDF-08267A4424FC}" destId="{74FC3293-916E-4150-ABC2-46A9CAFBD4E1}" srcOrd="0" destOrd="0" presId="urn:microsoft.com/office/officeart/2009/3/layout/IncreasingArrowsProcess"/>
+    <dgm:cxn modelId="{948A82AE-CAC1-41E7-8BC3-B36781AA0358}" type="presOf" srcId="{3C242284-50C7-4B9D-A866-0CF057E23FB1}" destId="{A44A4C86-F22A-41AB-A79B-E2AD6698B61E}" srcOrd="0" destOrd="0" presId="urn:microsoft.com/office/officeart/2009/3/layout/IncreasingArrowsProcess"/>
+    <dgm:cxn modelId="{3C8C6911-16DD-4708-92B5-171122E7CB28}" srcId="{5885A5C4-3C2F-45E7-8FDF-08267A4424FC}" destId="{B083A370-B684-440C-B12C-B4E71894054A}" srcOrd="0" destOrd="0" parTransId="{FD50D1DC-8D56-412D-B61C-74787E3AE0CA}" sibTransId="{B56CFC12-636B-4F0E-9B81-7279DAA43ED2}"/>
+    <dgm:cxn modelId="{BF988453-6AA9-4057-802F-BA38358B8841}" type="presOf" srcId="{222CCE41-CD7C-4A1C-A492-1640D38FB7C9}" destId="{0CD82B2E-AE47-4AEC-A806-1DEA6AEA6C38}" srcOrd="0" destOrd="0" presId="urn:microsoft.com/office/officeart/2009/3/layout/IncreasingArrowsProcess"/>
+    <dgm:cxn modelId="{7E70EE98-CB15-4E60-B2FA-4C61C7CE290E}" type="presOf" srcId="{492D23AD-5E20-4818-812A-267B87561718}" destId="{C7BEC4EE-6F56-4CAC-B9E2-C2002D9555A5}" srcOrd="0" destOrd="0" presId="urn:microsoft.com/office/officeart/2009/3/layout/IncreasingArrowsProcess"/>
+    <dgm:cxn modelId="{F243B3C6-A317-4A19-8309-5A7C5005475F}" type="presOf" srcId="{9745B43B-A895-4CE2-A82C-01B8A6EC89C0}" destId="{3BD18C96-D45A-4B71-B5B5-B0C6FC55D039}" srcOrd="0" destOrd="0" presId="urn:microsoft.com/office/officeart/2009/3/layout/IncreasingArrowsProcess"/>
+    <dgm:cxn modelId="{6BE0DF05-6402-4AA9-9CC9-EC7A1AE9FB26}" type="presOf" srcId="{B083A370-B684-440C-B12C-B4E71894054A}" destId="{4967F57D-5DA8-4AD5-9546-F790B1E1FA0A}" srcOrd="0" destOrd="0" presId="urn:microsoft.com/office/officeart/2009/3/layout/IncreasingArrowsProcess"/>
+    <dgm:cxn modelId="{6DE37186-D526-4FE1-9401-C2EEB0BE203D}" type="presOf" srcId="{84A6F5A7-5758-48E8-9B7F-CA0F88B37F8A}" destId="{79270A26-50A4-4D55-9ADA-50D6D53B25E5}" srcOrd="0" destOrd="0" presId="urn:microsoft.com/office/officeart/2009/3/layout/IncreasingArrowsProcess"/>
+    <dgm:cxn modelId="{A93EC9CC-4C42-4A0D-919E-FCB709E1243F}" type="presOf" srcId="{630B9A79-0F13-4A68-83A2-350249367D77}" destId="{8EC5CADF-EF7E-4F27-8E65-EA96A7B9A71D}" srcOrd="0" destOrd="0" presId="urn:microsoft.com/office/officeart/2009/3/layout/IncreasingArrowsProcess"/>
+    <dgm:cxn modelId="{93FCD771-C207-4B7C-9984-DB407FD51F52}" type="presOf" srcId="{A9B43EF2-383C-470D-B7F3-05BC1073C854}" destId="{8EB723BB-226C-4D8E-9C8F-3BC6EFCC03FB}" srcOrd="0" destOrd="0" presId="urn:microsoft.com/office/officeart/2009/3/layout/IncreasingArrowsProcess"/>
     <dgm:cxn modelId="{82A24A0E-442C-47BE-AA56-293A72464F5A}" srcId="{D6FA47E8-581E-49CD-8BF2-0C2FC83C6702}" destId="{222CCE41-CD7C-4A1C-A492-1640D38FB7C9}" srcOrd="3" destOrd="0" parTransId="{A499ABCA-9A3B-438C-9D65-A495CA0E6706}" sibTransId="{9E6754DF-F071-4FF3-AAC0-4DD6B5D2280C}"/>
-    <dgm:cxn modelId="{DC0C25C4-775E-41FE-82EF-3A8EC916671B}" type="presOf" srcId="{D6FA47E8-581E-49CD-8BF2-0C2FC83C6702}" destId="{C9937954-5D73-4A53-B904-8B3994A115AB}" srcOrd="0" destOrd="0" presId="urn:microsoft.com/office/officeart/2009/3/layout/IncreasingArrowsProcess"/>
+    <dgm:cxn modelId="{FF2ECC68-9C90-4DF0-A928-3B92CA54ECF3}" srcId="{9745B43B-A895-4CE2-A82C-01B8A6EC89C0}" destId="{84A6F5A7-5758-48E8-9B7F-CA0F88B37F8A}" srcOrd="0" destOrd="0" parTransId="{172A72A1-A0BA-4F4F-B17E-2E2872CB93E4}" sibTransId="{3C12D1CB-9474-468E-99D4-B714E8F4CA64}"/>
+    <dgm:cxn modelId="{067C3729-7CBB-4FFE-86CC-2AA4BE29DC5D}" srcId="{D6FA47E8-581E-49CD-8BF2-0C2FC83C6702}" destId="{5885A5C4-3C2F-45E7-8FDF-08267A4424FC}" srcOrd="4" destOrd="0" parTransId="{04ACBFD8-E5A0-4211-979B-686E0D6BD476}" sibTransId="{9606F468-582C-48C8-8E22-EF5FC461BD33}"/>
+    <dgm:cxn modelId="{B96E5C38-6832-4F25-AE7F-CD46EE7B2060}" srcId="{D6FA47E8-581E-49CD-8BF2-0C2FC83C6702}" destId="{9745B43B-A895-4CE2-A82C-01B8A6EC89C0}" srcOrd="1" destOrd="0" parTransId="{DC320488-346F-4A79-8D71-5C0C94A79279}" sibTransId="{DE6036E3-BD50-46E1-BA82-4EB465A3CF41}"/>
     <dgm:cxn modelId="{6B71FD01-2F2F-41AE-85AE-049E20F85889}" srcId="{222CCE41-CD7C-4A1C-A492-1640D38FB7C9}" destId="{03624C03-41C3-4954-BD35-C9F749B3846D}" srcOrd="0" destOrd="0" parTransId="{36660AB6-62A8-408B-B568-81773DEA2F72}" sibTransId="{FA957721-AF25-4951-9B66-B05D08460A52}"/>
-    <dgm:cxn modelId="{A93EC9CC-4C42-4A0D-919E-FCB709E1243F}" type="presOf" srcId="{630B9A79-0F13-4A68-83A2-350249367D77}" destId="{8EC5CADF-EF7E-4F27-8E65-EA96A7B9A71D}" srcOrd="0" destOrd="0" presId="urn:microsoft.com/office/officeart/2009/3/layout/IncreasingArrowsProcess"/>
-    <dgm:cxn modelId="{067C3729-7CBB-4FFE-86CC-2AA4BE29DC5D}" srcId="{D6FA47E8-581E-49CD-8BF2-0C2FC83C6702}" destId="{5885A5C4-3C2F-45E7-8FDF-08267A4424FC}" srcOrd="4" destOrd="0" parTransId="{04ACBFD8-E5A0-4211-979B-686E0D6BD476}" sibTransId="{9606F468-582C-48C8-8E22-EF5FC461BD33}"/>
-    <dgm:cxn modelId="{F9FEE89B-3206-4245-9C61-5AD4C0AFB9D3}" srcId="{D6FA47E8-581E-49CD-8BF2-0C2FC83C6702}" destId="{A9B43EF2-383C-470D-B7F3-05BC1073C854}" srcOrd="0" destOrd="0" parTransId="{7FBB1A13-D1AE-419D-B60B-0A43A1562DE9}" sibTransId="{68D2ECDC-33C5-477C-BF95-98FBC427614A}"/>
-    <dgm:cxn modelId="{6BE0DF05-6402-4AA9-9CC9-EC7A1AE9FB26}" type="presOf" srcId="{B083A370-B684-440C-B12C-B4E71894054A}" destId="{4967F57D-5DA8-4AD5-9546-F790B1E1FA0A}" srcOrd="0" destOrd="0" presId="urn:microsoft.com/office/officeart/2009/3/layout/IncreasingArrowsProcess"/>
-    <dgm:cxn modelId="{FF2ECC68-9C90-4DF0-A928-3B92CA54ECF3}" srcId="{9745B43B-A895-4CE2-A82C-01B8A6EC89C0}" destId="{84A6F5A7-5758-48E8-9B7F-CA0F88B37F8A}" srcOrd="0" destOrd="0" parTransId="{172A72A1-A0BA-4F4F-B17E-2E2872CB93E4}" sibTransId="{3C12D1CB-9474-468E-99D4-B714E8F4CA64}"/>
-    <dgm:cxn modelId="{BA3EA347-DC15-41A7-B9D8-7858B81AF4E8}" type="presOf" srcId="{5885A5C4-3C2F-45E7-8FDF-08267A4424FC}" destId="{74FC3293-916E-4150-ABC2-46A9CAFBD4E1}" srcOrd="0" destOrd="0" presId="urn:microsoft.com/office/officeart/2009/3/layout/IncreasingArrowsProcess"/>
     <dgm:cxn modelId="{381C926D-8793-41D5-A255-A0790C888E94}" srcId="{3C242284-50C7-4B9D-A866-0CF057E23FB1}" destId="{630B9A79-0F13-4A68-83A2-350249367D77}" srcOrd="0" destOrd="0" parTransId="{C3353706-B7B1-4052-B5A6-D61F90EE0716}" sibTransId="{FFF017B8-5201-452A-A410-AAD1AFAC21F7}"/>
-    <dgm:cxn modelId="{BF988453-6AA9-4057-802F-BA38358B8841}" type="presOf" srcId="{222CCE41-CD7C-4A1C-A492-1640D38FB7C9}" destId="{0CD82B2E-AE47-4AEC-A806-1DEA6AEA6C38}" srcOrd="0" destOrd="0" presId="urn:microsoft.com/office/officeart/2009/3/layout/IncreasingArrowsProcess"/>
-    <dgm:cxn modelId="{3C8C6911-16DD-4708-92B5-171122E7CB28}" srcId="{5885A5C4-3C2F-45E7-8FDF-08267A4424FC}" destId="{B083A370-B684-440C-B12C-B4E71894054A}" srcOrd="0" destOrd="0" parTransId="{FD50D1DC-8D56-412D-B61C-74787E3AE0CA}" sibTransId="{B56CFC12-636B-4F0E-9B81-7279DAA43ED2}"/>
-    <dgm:cxn modelId="{68A4B644-4E46-47A4-A84E-0B5B446F3A65}" type="presOf" srcId="{03624C03-41C3-4954-BD35-C9F749B3846D}" destId="{B0C26EDE-A5A8-46C8-ADB7-848795BE8B1F}" srcOrd="0" destOrd="0" presId="urn:microsoft.com/office/officeart/2009/3/layout/IncreasingArrowsProcess"/>
-    <dgm:cxn modelId="{7E70EE98-CB15-4E60-B2FA-4C61C7CE290E}" type="presOf" srcId="{492D23AD-5E20-4818-812A-267B87561718}" destId="{C7BEC4EE-6F56-4CAC-B9E2-C2002D9555A5}" srcOrd="0" destOrd="0" presId="urn:microsoft.com/office/officeart/2009/3/layout/IncreasingArrowsProcess"/>
-    <dgm:cxn modelId="{93FCD771-C207-4B7C-9984-DB407FD51F52}" type="presOf" srcId="{A9B43EF2-383C-470D-B7F3-05BC1073C854}" destId="{8EB723BB-226C-4D8E-9C8F-3BC6EFCC03FB}" srcOrd="0" destOrd="0" presId="urn:microsoft.com/office/officeart/2009/3/layout/IncreasingArrowsProcess"/>
-    <dgm:cxn modelId="{B96E5C38-6832-4F25-AE7F-CD46EE7B2060}" srcId="{D6FA47E8-581E-49CD-8BF2-0C2FC83C6702}" destId="{9745B43B-A895-4CE2-A82C-01B8A6EC89C0}" srcOrd="1" destOrd="0" parTransId="{DC320488-346F-4A79-8D71-5C0C94A79279}" sibTransId="{DE6036E3-BD50-46E1-BA82-4EB465A3CF41}"/>
     <dgm:cxn modelId="{6407C152-7AA8-450F-A77F-B9EC46EDFF5B}" srcId="{A9B43EF2-383C-470D-B7F3-05BC1073C854}" destId="{492D23AD-5E20-4818-812A-267B87561718}" srcOrd="0" destOrd="0" parTransId="{BBB088A6-4424-4176-A5D7-594034D957DF}" sibTransId="{5466BE19-F37E-4E33-AF16-E2E1FD3C0665}"/>
-    <dgm:cxn modelId="{F243B3C6-A317-4A19-8309-5A7C5005475F}" type="presOf" srcId="{9745B43B-A895-4CE2-A82C-01B8A6EC89C0}" destId="{3BD18C96-D45A-4B71-B5B5-B0C6FC55D039}" srcOrd="0" destOrd="0" presId="urn:microsoft.com/office/officeart/2009/3/layout/IncreasingArrowsProcess"/>
-    <dgm:cxn modelId="{948A82AE-CAC1-41E7-8BC3-B36781AA0358}" type="presOf" srcId="{3C242284-50C7-4B9D-A866-0CF057E23FB1}" destId="{A44A4C86-F22A-41AB-A79B-E2AD6698B61E}" srcOrd="0" destOrd="0" presId="urn:microsoft.com/office/officeart/2009/3/layout/IncreasingArrowsProcess"/>
-    <dgm:cxn modelId="{6DE37186-D526-4FE1-9401-C2EEB0BE203D}" type="presOf" srcId="{84A6F5A7-5758-48E8-9B7F-CA0F88B37F8A}" destId="{79270A26-50A4-4D55-9ADA-50D6D53B25E5}" srcOrd="0" destOrd="0" presId="urn:microsoft.com/office/officeart/2009/3/layout/IncreasingArrowsProcess"/>
     <dgm:cxn modelId="{F5F470B1-9200-4245-98A8-89C4F68BEF54}" type="presParOf" srcId="{C9937954-5D73-4A53-B904-8B3994A115AB}" destId="{8EB723BB-226C-4D8E-9C8F-3BC6EFCC03FB}" srcOrd="0" destOrd="0" presId="urn:microsoft.com/office/officeart/2009/3/layout/IncreasingArrowsProcess"/>
     <dgm:cxn modelId="{6F39EDBB-A9FA-4729-8968-CAD4B96352DA}" type="presParOf" srcId="{C9937954-5D73-4A53-B904-8B3994A115AB}" destId="{C7BEC4EE-6F56-4CAC-B9E2-C2002D9555A5}" srcOrd="1" destOrd="0" presId="urn:microsoft.com/office/officeart/2009/3/layout/IncreasingArrowsProcess"/>
     <dgm:cxn modelId="{E9E51E79-7451-42B0-BB25-0B67C2599F49}" type="presParOf" srcId="{C9937954-5D73-4A53-B904-8B3994A115AB}" destId="{3BD18C96-D45A-4B71-B5B5-B0C6FC55D039}" srcOrd="2" destOrd="0" presId="urn:microsoft.com/office/officeart/2009/3/layout/IncreasingArrowsProcess"/>
@@ -10936,20 +10960,20 @@
     </dgm:pt>
   </dgm:ptLst>
   <dgm:cxnLst>
+    <dgm:cxn modelId="{E55C35F3-3635-4857-92D0-C3D81BD6A208}" srcId="{821F724A-1E74-4F33-85C0-A9660A1C5922}" destId="{D3E8B20B-B886-4D92-9FBF-27748C512725}" srcOrd="1" destOrd="0" parTransId="{4FFCD8AE-B212-499A-B538-6A2403F1D17E}" sibTransId="{A00EBF84-F50B-47A4-B120-37FDB6CFD4A6}"/>
+    <dgm:cxn modelId="{06614E2A-5F47-4C60-891B-9AF97D4C1340}" srcId="{ED5AF5FF-1439-453E-B279-80C8689019C7}" destId="{821F724A-1E74-4F33-85C0-A9660A1C5922}" srcOrd="0" destOrd="0" parTransId="{7341F9CF-A3DF-4850-800D-9B8EFDFDE532}" sibTransId="{BC600B84-E8AF-410E-8EB9-1031DBB31C17}"/>
+    <dgm:cxn modelId="{84B7A2BB-E701-4825-89FF-EED4B4B3309C}" srcId="{821F724A-1E74-4F33-85C0-A9660A1C5922}" destId="{7F14D72B-6427-4A00-9FC5-993A7D83275A}" srcOrd="3" destOrd="0" parTransId="{07BE0466-2A1F-4093-A04F-1C68ACF52E7D}" sibTransId="{2CFDB889-C899-485E-9A4D-68318D5DA9D9}"/>
+    <dgm:cxn modelId="{FA01F152-9C95-4953-89C0-E3E0453141FF}" type="presOf" srcId="{7F14D72B-6427-4A00-9FC5-993A7D83275A}" destId="{7FCF0288-9018-4DA2-A2FB-5D0ADE94DD3A}" srcOrd="0" destOrd="0" presId="urn:microsoft.com/office/officeart/2008/layout/SquareAccentList"/>
+    <dgm:cxn modelId="{B2841893-C35E-40E0-BA73-AD5CD0B280B1}" type="presOf" srcId="{ED5AF5FF-1439-453E-B279-80C8689019C7}" destId="{D8F9E214-F28B-4179-B1CD-FA241914D8E2}" srcOrd="0" destOrd="0" presId="urn:microsoft.com/office/officeart/2008/layout/SquareAccentList"/>
+    <dgm:cxn modelId="{8990A48A-AE84-4F6E-B12C-3414FEE42576}" type="presOf" srcId="{DC401748-27BB-4E45-820B-B649D6ED9540}" destId="{6B0AA2E4-DB3C-4B1C-8168-2A327F2E7EE5}" srcOrd="0" destOrd="0" presId="urn:microsoft.com/office/officeart/2008/layout/SquareAccentList"/>
+    <dgm:cxn modelId="{DE6ABCF4-D0E6-41B9-B1F3-14D8609A41FB}" srcId="{821F724A-1E74-4F33-85C0-A9660A1C5922}" destId="{DC401748-27BB-4E45-820B-B649D6ED9540}" srcOrd="5" destOrd="0" parTransId="{43D46F93-B8E5-4B2D-BB59-F7650CF4D895}" sibTransId="{A2229638-B714-4287-B1F9-8AF5DA358D84}"/>
+    <dgm:cxn modelId="{12E54F39-382E-48E1-BE7A-1CBAD216AEBD}" type="presOf" srcId="{821F724A-1E74-4F33-85C0-A9660A1C5922}" destId="{531E20E0-23D9-4B4F-9352-E5CCF8890C1A}" srcOrd="0" destOrd="0" presId="urn:microsoft.com/office/officeart/2008/layout/SquareAccentList"/>
+    <dgm:cxn modelId="{BA08D5BC-DB42-4557-9F33-A9E836B06223}" srcId="{821F724A-1E74-4F33-85C0-A9660A1C5922}" destId="{5EBED657-C951-4C9E-9B64-BD013632AFC2}" srcOrd="2" destOrd="0" parTransId="{1213574E-E85B-4B4B-BEA3-F7C2410A1668}" sibTransId="{1672AA7E-9207-4977-9E0A-E6EF529E1763}"/>
+    <dgm:cxn modelId="{456E8A73-15B3-4481-A103-B738F5E8CDF5}" srcId="{821F724A-1E74-4F33-85C0-A9660A1C5922}" destId="{D3955DD9-C210-4034-AF51-E3F5FBE593EC}" srcOrd="0" destOrd="0" parTransId="{7CD85B04-760D-4665-82C4-C4FC55944ED9}" sibTransId="{23C22543-BE3D-4446-8123-D99AF96D6F20}"/>
+    <dgm:cxn modelId="{3341425F-F32C-46A6-9B1B-D9F043EC097A}" type="presOf" srcId="{BBF97766-C307-49D6-93C4-F0D4199A3AE9}" destId="{3D267A2A-ECFB-432F-8206-C3FBBC3FCDB1}" srcOrd="0" destOrd="0" presId="urn:microsoft.com/office/officeart/2008/layout/SquareAccentList"/>
+    <dgm:cxn modelId="{E105336A-D4C5-4746-806D-44992A92889C}" type="presOf" srcId="{D3E8B20B-B886-4D92-9FBF-27748C512725}" destId="{35E2468C-1DCF-4CF5-AD81-105AAA1C763A}" srcOrd="0" destOrd="0" presId="urn:microsoft.com/office/officeart/2008/layout/SquareAccentList"/>
+    <dgm:cxn modelId="{FBAE0C79-10E7-4E72-97BA-7021E1C2423D}" type="presOf" srcId="{D3955DD9-C210-4034-AF51-E3F5FBE593EC}" destId="{E0B056A9-9BB5-473E-9539-630B3E9CECE5}" srcOrd="0" destOrd="0" presId="urn:microsoft.com/office/officeart/2008/layout/SquareAccentList"/>
     <dgm:cxn modelId="{C8B5C031-DBEA-42A2-9505-C7B02E8D56F9}" type="presOf" srcId="{5EBED657-C951-4C9E-9B64-BD013632AFC2}" destId="{FBAD7434-1400-42B4-B38D-C41C37B08967}" srcOrd="0" destOrd="0" presId="urn:microsoft.com/office/officeart/2008/layout/SquareAccentList"/>
-    <dgm:cxn modelId="{12E54F39-382E-48E1-BE7A-1CBAD216AEBD}" type="presOf" srcId="{821F724A-1E74-4F33-85C0-A9660A1C5922}" destId="{531E20E0-23D9-4B4F-9352-E5CCF8890C1A}" srcOrd="0" destOrd="0" presId="urn:microsoft.com/office/officeart/2008/layout/SquareAccentList"/>
-    <dgm:cxn modelId="{84B7A2BB-E701-4825-89FF-EED4B4B3309C}" srcId="{821F724A-1E74-4F33-85C0-A9660A1C5922}" destId="{7F14D72B-6427-4A00-9FC5-993A7D83275A}" srcOrd="3" destOrd="0" parTransId="{07BE0466-2A1F-4093-A04F-1C68ACF52E7D}" sibTransId="{2CFDB889-C899-485E-9A4D-68318D5DA9D9}"/>
-    <dgm:cxn modelId="{B2841893-C35E-40E0-BA73-AD5CD0B280B1}" type="presOf" srcId="{ED5AF5FF-1439-453E-B279-80C8689019C7}" destId="{D8F9E214-F28B-4179-B1CD-FA241914D8E2}" srcOrd="0" destOrd="0" presId="urn:microsoft.com/office/officeart/2008/layout/SquareAccentList"/>
-    <dgm:cxn modelId="{DE6ABCF4-D0E6-41B9-B1F3-14D8609A41FB}" srcId="{821F724A-1E74-4F33-85C0-A9660A1C5922}" destId="{DC401748-27BB-4E45-820B-B649D6ED9540}" srcOrd="5" destOrd="0" parTransId="{43D46F93-B8E5-4B2D-BB59-F7650CF4D895}" sibTransId="{A2229638-B714-4287-B1F9-8AF5DA358D84}"/>
-    <dgm:cxn modelId="{E105336A-D4C5-4746-806D-44992A92889C}" type="presOf" srcId="{D3E8B20B-B886-4D92-9FBF-27748C512725}" destId="{35E2468C-1DCF-4CF5-AD81-105AAA1C763A}" srcOrd="0" destOrd="0" presId="urn:microsoft.com/office/officeart/2008/layout/SquareAccentList"/>
-    <dgm:cxn modelId="{BA08D5BC-DB42-4557-9F33-A9E836B06223}" srcId="{821F724A-1E74-4F33-85C0-A9660A1C5922}" destId="{5EBED657-C951-4C9E-9B64-BD013632AFC2}" srcOrd="2" destOrd="0" parTransId="{1213574E-E85B-4B4B-BEA3-F7C2410A1668}" sibTransId="{1672AA7E-9207-4977-9E0A-E6EF529E1763}"/>
-    <dgm:cxn modelId="{06614E2A-5F47-4C60-891B-9AF97D4C1340}" srcId="{ED5AF5FF-1439-453E-B279-80C8689019C7}" destId="{821F724A-1E74-4F33-85C0-A9660A1C5922}" srcOrd="0" destOrd="0" parTransId="{7341F9CF-A3DF-4850-800D-9B8EFDFDE532}" sibTransId="{BC600B84-E8AF-410E-8EB9-1031DBB31C17}"/>
-    <dgm:cxn modelId="{E55C35F3-3635-4857-92D0-C3D81BD6A208}" srcId="{821F724A-1E74-4F33-85C0-A9660A1C5922}" destId="{D3E8B20B-B886-4D92-9FBF-27748C512725}" srcOrd="1" destOrd="0" parTransId="{4FFCD8AE-B212-499A-B538-6A2403F1D17E}" sibTransId="{A00EBF84-F50B-47A4-B120-37FDB6CFD4A6}"/>
-    <dgm:cxn modelId="{3341425F-F32C-46A6-9B1B-D9F043EC097A}" type="presOf" srcId="{BBF97766-C307-49D6-93C4-F0D4199A3AE9}" destId="{3D267A2A-ECFB-432F-8206-C3FBBC3FCDB1}" srcOrd="0" destOrd="0" presId="urn:microsoft.com/office/officeart/2008/layout/SquareAccentList"/>
-    <dgm:cxn modelId="{8990A48A-AE84-4F6E-B12C-3414FEE42576}" type="presOf" srcId="{DC401748-27BB-4E45-820B-B649D6ED9540}" destId="{6B0AA2E4-DB3C-4B1C-8168-2A327F2E7EE5}" srcOrd="0" destOrd="0" presId="urn:microsoft.com/office/officeart/2008/layout/SquareAccentList"/>
-    <dgm:cxn modelId="{FA01F152-9C95-4953-89C0-E3E0453141FF}" type="presOf" srcId="{7F14D72B-6427-4A00-9FC5-993A7D83275A}" destId="{7FCF0288-9018-4DA2-A2FB-5D0ADE94DD3A}" srcOrd="0" destOrd="0" presId="urn:microsoft.com/office/officeart/2008/layout/SquareAccentList"/>
-    <dgm:cxn modelId="{FBAE0C79-10E7-4E72-97BA-7021E1C2423D}" type="presOf" srcId="{D3955DD9-C210-4034-AF51-E3F5FBE593EC}" destId="{E0B056A9-9BB5-473E-9539-630B3E9CECE5}" srcOrd="0" destOrd="0" presId="urn:microsoft.com/office/officeart/2008/layout/SquareAccentList"/>
-    <dgm:cxn modelId="{456E8A73-15B3-4481-A103-B738F5E8CDF5}" srcId="{821F724A-1E74-4F33-85C0-A9660A1C5922}" destId="{D3955DD9-C210-4034-AF51-E3F5FBE593EC}" srcOrd="0" destOrd="0" parTransId="{7CD85B04-760D-4665-82C4-C4FC55944ED9}" sibTransId="{23C22543-BE3D-4446-8123-D99AF96D6F20}"/>
     <dgm:cxn modelId="{6D30681B-6A69-4F29-B1D3-DA040BB90512}" srcId="{821F724A-1E74-4F33-85C0-A9660A1C5922}" destId="{BBF97766-C307-49D6-93C4-F0D4199A3AE9}" srcOrd="4" destOrd="0" parTransId="{E8BCA929-30F4-4861-888B-FFF0A39AA105}" sibTransId="{2A01CBAC-B6EE-49DD-8AA7-BE4967487686}"/>
     <dgm:cxn modelId="{84989687-E7A5-4194-B47A-CA5C7311ADC4}" type="presParOf" srcId="{D8F9E214-F28B-4179-B1CD-FA241914D8E2}" destId="{3797417F-D0F3-4704-A5E1-1E0D8218EF37}" srcOrd="0" destOrd="0" presId="urn:microsoft.com/office/officeart/2008/layout/SquareAccentList"/>
     <dgm:cxn modelId="{23262BCE-52A4-469F-999F-8C8021CF0E36}" type="presParOf" srcId="{3797417F-D0F3-4704-A5E1-1E0D8218EF37}" destId="{70C02842-98CF-41EA-8989-F53AB3E42A32}" srcOrd="0" destOrd="0" presId="urn:microsoft.com/office/officeart/2008/layout/SquareAccentList"/>
@@ -12332,8 +12356,8 @@
   <dgm:cxnLst>
     <dgm:cxn modelId="{FC66E20D-172C-498D-B40A-67FAA09212EA}" type="presOf" srcId="{9CE071A8-4828-4BBA-8539-A7250C6564F7}" destId="{8E75D1AB-AB9E-4437-9E6B-0F8E0BF693E1}" srcOrd="0" destOrd="0" presId="urn:microsoft.com/office/officeart/2005/8/layout/chevron1"/>
     <dgm:cxn modelId="{94A556CC-DB2E-4EC0-B526-F9BC08BA7032}" srcId="{1E69C752-FFB3-443C-87E0-F9B0295401B1}" destId="{9CE071A8-4828-4BBA-8539-A7250C6564F7}" srcOrd="0" destOrd="0" parTransId="{52D995F5-3395-4ECB-9CFC-C465B420EBDC}" sibTransId="{5230C054-1279-4270-918B-48387250C601}"/>
+    <dgm:cxn modelId="{2302C2DA-8CAE-48C8-BD37-CE2D02BE1003}" type="presOf" srcId="{1E69C752-FFB3-443C-87E0-F9B0295401B1}" destId="{F6DB34E1-6FA1-40B8-9E7F-F7FE7A8E2231}" srcOrd="0" destOrd="0" presId="urn:microsoft.com/office/officeart/2005/8/layout/chevron1"/>
     <dgm:cxn modelId="{73B9827E-628A-4F87-93BF-655275D0ACAC}" type="presOf" srcId="{8DD0647D-4D0F-4902-9F01-5E5D9F891374}" destId="{2CA60F9B-8AAF-4DC9-B371-F6896AEC6247}" srcOrd="0" destOrd="0" presId="urn:microsoft.com/office/officeart/2005/8/layout/chevron1"/>
-    <dgm:cxn modelId="{2302C2DA-8CAE-48C8-BD37-CE2D02BE1003}" type="presOf" srcId="{1E69C752-FFB3-443C-87E0-F9B0295401B1}" destId="{F6DB34E1-6FA1-40B8-9E7F-F7FE7A8E2231}" srcOrd="0" destOrd="0" presId="urn:microsoft.com/office/officeart/2005/8/layout/chevron1"/>
     <dgm:cxn modelId="{CA78CC69-948A-4F38-B9F1-1B7D08388364}" srcId="{1E69C752-FFB3-443C-87E0-F9B0295401B1}" destId="{8DD0647D-4D0F-4902-9F01-5E5D9F891374}" srcOrd="1" destOrd="0" parTransId="{E8AADB18-8D44-4D9A-97B7-FF714AA32059}" sibTransId="{830E21FF-A2E2-41AD-9326-09566F28D649}"/>
     <dgm:cxn modelId="{9E7C571B-AC2D-4761-8BE7-4C950E0DFEA0}" type="presParOf" srcId="{F6DB34E1-6FA1-40B8-9E7F-F7FE7A8E2231}" destId="{8E75D1AB-AB9E-4437-9E6B-0F8E0BF693E1}" srcOrd="0" destOrd="0" presId="urn:microsoft.com/office/officeart/2005/8/layout/chevron1"/>
     <dgm:cxn modelId="{D2FAA80C-04F5-49A6-93D7-ACCA956013AF}" type="presParOf" srcId="{F6DB34E1-6FA1-40B8-9E7F-F7FE7A8E2231}" destId="{16EE4375-E80B-40E3-9FA4-CCB560C66959}" srcOrd="1" destOrd="0" presId="urn:microsoft.com/office/officeart/2005/8/layout/chevron1"/>
@@ -13623,12 +13647,12 @@
         <a:fontRef idx="minor"/>
       </dsp:style>
       <dsp:txBody>
-        <a:bodyPr spcFirstLastPara="0" vert="horz" wrap="square" lIns="41910" tIns="41910" rIns="41910" bIns="41910" numCol="1" spcCol="1270" anchor="t" anchorCtr="0">
+        <a:bodyPr spcFirstLastPara="0" vert="horz" wrap="square" lIns="38100" tIns="38100" rIns="38100" bIns="38100" numCol="1" spcCol="1270" anchor="t" anchorCtr="0">
           <a:noAutofit/>
         </a:bodyPr>
         <a:lstStyle/>
         <a:p>
-          <a:pPr lvl="0" algn="ctr" defTabSz="488950">
+          <a:pPr lvl="0" algn="ctr" defTabSz="444500">
             <a:lnSpc>
               <a:spcPct val="90000"/>
             </a:lnSpc>
@@ -13640,10 +13664,10 @@
             </a:spcAft>
           </a:pPr>
           <a:r>
-            <a:rPr lang="es-ES" sz="1100" kern="1200" dirty="0" smtClean="0"/>
+            <a:rPr lang="es-ES" sz="1000" kern="1200" dirty="0" smtClean="0"/>
             <a:t>Completar el modelado de los Macroprocesos de Gestión de Abastecimiento, Contabilidad y Presupuestos; y Gestión de Obras Civiles.</a:t>
           </a:r>
-          <a:endParaRPr lang="es-PE" sz="1100" kern="1200" dirty="0" smtClean="0"/>
+          <a:endParaRPr lang="es-PE" sz="1000" kern="1200" dirty="0" smtClean="0"/>
         </a:p>
       </dsp:txBody>
       <dsp:txXfrm>
@@ -13951,7 +13975,15 @@
           </a:pPr>
           <a:r>
             <a:rPr lang="es-PE" sz="1200" kern="1200" dirty="0" smtClean="0"/>
-            <a:t>Modificar los procesos que se relacionen con los realizados por el Dpto. de Administración y a la Oficina de Coordinación de Programas Educativos Rurales, que pertenezcan a los Macroprocesos de Planificación; Gestión de Imagen Institucional y Donaciones;  Gestión de Proyectos; Gestión de Aseguramiento de la Calidad Educativa; y Gestión de Orientación Pastoral, desarrollados en el Proyecto de Tesis “Modelo de Negocios Empresarial de la Oficina Central Fe y Alegría”.</a:t>
+            <a:t>Modificar los procesos que se relacionen con los realizados por el Dpto. de Administración y a la Oficina de Coordinación de Programas Educativos Rurales, que pertenezcan a los Macroprocesos de Planificación; Gestión de Imagen Institucional y Donaciones;  Gestión de Proyectos; Gestión de Aseguramiento de la Calidad Educativa; y Gestión de Orientación Pastoral, desarrollados en el Proyecto </a:t>
+          </a:r>
+          <a:r>
+            <a:rPr lang="es-PE" sz="1200" kern="1200" dirty="0" smtClean="0"/>
+            <a:t>Profesional “Modelo </a:t>
+          </a:r>
+          <a:r>
+            <a:rPr lang="es-PE" sz="1200" kern="1200" dirty="0" smtClean="0"/>
+            <a:t>de Negocios Empresarial de la Oficina Central Fe y Alegría”.</a:t>
           </a:r>
           <a:endParaRPr lang="es-PE" sz="1200" kern="1200" dirty="0"/>
         </a:p>
@@ -14088,12 +14120,12 @@
         <a:fontRef idx="minor"/>
       </dsp:style>
       <dsp:txBody>
-        <a:bodyPr spcFirstLastPara="0" vert="horz" wrap="square" lIns="41910" tIns="41910" rIns="41910" bIns="41910" numCol="1" spcCol="1270" anchor="t" anchorCtr="0">
+        <a:bodyPr spcFirstLastPara="0" vert="horz" wrap="square" lIns="38100" tIns="38100" rIns="38100" bIns="38100" numCol="1" spcCol="1270" anchor="t" anchorCtr="0">
           <a:noAutofit/>
         </a:bodyPr>
         <a:lstStyle/>
         <a:p>
-          <a:pPr lvl="0" algn="ctr" defTabSz="488950">
+          <a:pPr lvl="0" algn="ctr" defTabSz="444500">
             <a:lnSpc>
               <a:spcPct val="90000"/>
             </a:lnSpc>
@@ -14105,10 +14137,18 @@
             </a:spcAft>
           </a:pPr>
           <a:r>
-            <a:rPr lang="es-ES" sz="1100" kern="1200" dirty="0" smtClean="0"/>
-            <a:t>Integrar los nuevos procesos definidos con los que fueron desarrollados en el Proyecto de Tesis “Modelo de Negocios Empresarial de la Oficina Central Fe y Alegría”.</a:t>
+            <a:rPr lang="es-ES" sz="1000" kern="1200" dirty="0" smtClean="0"/>
+            <a:t>Integrar los nuevos procesos definidos con los que fueron desarrollados en el Proyecto </a:t>
           </a:r>
-          <a:endParaRPr lang="es-PE" sz="1100" kern="1200" dirty="0"/>
+          <a:r>
+            <a:rPr lang="es-ES" sz="1000" kern="1200" dirty="0" smtClean="0"/>
+            <a:t>Profesional “Modelo </a:t>
+          </a:r>
+          <a:r>
+            <a:rPr lang="es-ES" sz="1000" kern="1200" dirty="0" smtClean="0"/>
+            <a:t>de Negocios Empresarial de la Oficina Central Fe y Alegría”.</a:t>
+          </a:r>
+          <a:endParaRPr lang="es-PE" sz="1000" kern="1200" dirty="0"/>
         </a:p>
       </dsp:txBody>
       <dsp:txXfrm>
@@ -14261,7 +14301,15 @@
           </a:pPr>
           <a:r>
             <a:rPr lang="es-ES" sz="1200" kern="1200" dirty="0" smtClean="0"/>
-            <a:t>Actualizar todos los documentos elaborados en el Proyecto de Tesis “Modelo de Negocios Empresarial de la Oficina Central Fe y Alegría”.</a:t>
+            <a:t>Actualizar todos los documentos elaborados en el Proyecto </a:t>
+          </a:r>
+          <a:r>
+            <a:rPr lang="es-ES" sz="1200" kern="1200" dirty="0" smtClean="0"/>
+            <a:t>Profesional “Modelo </a:t>
+          </a:r>
+          <a:r>
+            <a:rPr lang="es-ES" sz="1200" kern="1200" dirty="0" smtClean="0"/>
+            <a:t>de Negocios Empresarial de la Oficina Central Fe y Alegría”.</a:t>
           </a:r>
           <a:endParaRPr lang="es-PE" sz="1200" kern="1200" dirty="0"/>
         </a:p>
@@ -34526,7 +34574,7 @@
           <a:p>
             <a:fld id="{17014CBA-198D-4961-8FB2-00585260705C}" type="datetimeFigureOut">
               <a:rPr lang="es-PE" smtClean="0"/>
-              <a:t>28/09/2011</a:t>
+              <a:t>30/09/2011</a:t>
             </a:fld>
             <a:endParaRPr lang="es-PE"/>
           </a:p>
@@ -35057,7 +35105,7 @@
           <a:p>
             <a:fld id="{9138CE5B-496B-4F43-83E3-47626F9AD0BC}" type="datetimeFigureOut">
               <a:rPr lang="es-PE" smtClean="0"/>
-              <a:t>28/09/2011</a:t>
+              <a:t>30/09/2011</a:t>
             </a:fld>
             <a:endParaRPr lang="es-PE"/>
           </a:p>
@@ -35227,7 +35275,7 @@
           <a:p>
             <a:fld id="{9138CE5B-496B-4F43-83E3-47626F9AD0BC}" type="datetimeFigureOut">
               <a:rPr lang="es-PE" smtClean="0"/>
-              <a:t>28/09/2011</a:t>
+              <a:t>30/09/2011</a:t>
             </a:fld>
             <a:endParaRPr lang="es-PE"/>
           </a:p>
@@ -35407,7 +35455,7 @@
           <a:p>
             <a:fld id="{9138CE5B-496B-4F43-83E3-47626F9AD0BC}" type="datetimeFigureOut">
               <a:rPr lang="es-PE" smtClean="0"/>
-              <a:t>28/09/2011</a:t>
+              <a:t>30/09/2011</a:t>
             </a:fld>
             <a:endParaRPr lang="es-PE"/>
           </a:p>
@@ -35577,7 +35625,7 @@
           <a:p>
             <a:fld id="{9138CE5B-496B-4F43-83E3-47626F9AD0BC}" type="datetimeFigureOut">
               <a:rPr lang="es-PE" smtClean="0"/>
-              <a:t>28/09/2011</a:t>
+              <a:t>30/09/2011</a:t>
             </a:fld>
             <a:endParaRPr lang="es-PE"/>
           </a:p>
@@ -35823,7 +35871,7 @@
           <a:p>
             <a:fld id="{9138CE5B-496B-4F43-83E3-47626F9AD0BC}" type="datetimeFigureOut">
               <a:rPr lang="es-PE" smtClean="0"/>
-              <a:t>28/09/2011</a:t>
+              <a:t>30/09/2011</a:t>
             </a:fld>
             <a:endParaRPr lang="es-PE"/>
           </a:p>
@@ -36111,7 +36159,7 @@
           <a:p>
             <a:fld id="{9138CE5B-496B-4F43-83E3-47626F9AD0BC}" type="datetimeFigureOut">
               <a:rPr lang="es-PE" smtClean="0"/>
-              <a:t>28/09/2011</a:t>
+              <a:t>30/09/2011</a:t>
             </a:fld>
             <a:endParaRPr lang="es-PE"/>
           </a:p>
@@ -36533,7 +36581,7 @@
           <a:p>
             <a:fld id="{9138CE5B-496B-4F43-83E3-47626F9AD0BC}" type="datetimeFigureOut">
               <a:rPr lang="es-PE" smtClean="0"/>
-              <a:t>28/09/2011</a:t>
+              <a:t>30/09/2011</a:t>
             </a:fld>
             <a:endParaRPr lang="es-PE"/>
           </a:p>
@@ -36651,7 +36699,7 @@
           <a:p>
             <a:fld id="{9138CE5B-496B-4F43-83E3-47626F9AD0BC}" type="datetimeFigureOut">
               <a:rPr lang="es-PE" smtClean="0"/>
-              <a:t>28/09/2011</a:t>
+              <a:t>30/09/2011</a:t>
             </a:fld>
             <a:endParaRPr lang="es-PE"/>
           </a:p>
@@ -36746,7 +36794,7 @@
           <a:p>
             <a:fld id="{9138CE5B-496B-4F43-83E3-47626F9AD0BC}" type="datetimeFigureOut">
               <a:rPr lang="es-PE" smtClean="0"/>
-              <a:t>28/09/2011</a:t>
+              <a:t>30/09/2011</a:t>
             </a:fld>
             <a:endParaRPr lang="es-PE"/>
           </a:p>
@@ -37023,7 +37071,7 @@
           <a:p>
             <a:fld id="{9138CE5B-496B-4F43-83E3-47626F9AD0BC}" type="datetimeFigureOut">
               <a:rPr lang="es-PE" smtClean="0"/>
-              <a:t>28/09/2011</a:t>
+              <a:t>30/09/2011</a:t>
             </a:fld>
             <a:endParaRPr lang="es-PE"/>
           </a:p>
@@ -37276,7 +37324,7 @@
           <a:p>
             <a:fld id="{9138CE5B-496B-4F43-83E3-47626F9AD0BC}" type="datetimeFigureOut">
               <a:rPr lang="es-PE" smtClean="0"/>
-              <a:t>28/09/2011</a:t>
+              <a:t>30/09/2011</a:t>
             </a:fld>
             <a:endParaRPr lang="es-PE"/>
           </a:p>
@@ -37498,7 +37546,7 @@
           <a:p>
             <a:fld id="{9138CE5B-496B-4F43-83E3-47626F9AD0BC}" type="datetimeFigureOut">
               <a:rPr lang="es-PE" smtClean="0"/>
-              <a:t>28/09/2011</a:t>
+              <a:t>30/09/2011</a:t>
             </a:fld>
             <a:endParaRPr lang="es-PE"/>
           </a:p>
@@ -37983,7 +38031,7 @@
                 </a:solidFill>
                 <a:cs typeface="Times New Roman" pitchFamily="18" charset="0"/>
               </a:rPr>
-              <a:t>Miércoles 21 de Septiembre </a:t>
+              <a:t>Lunes 10 de Octubre </a:t>
             </a:r>
             <a:r>
               <a:rPr lang="es-PE" sz="2000" b="1" dirty="0">
@@ -38007,8 +38055,29 @@
                 </a:solidFill>
                 <a:cs typeface="Times New Roman" pitchFamily="18" charset="0"/>
               </a:rPr>
-              <a:t>2011, Semana 6</a:t>
+              <a:t>2011, Semana </a:t>
             </a:r>
+            <a:r>
+              <a:rPr lang="es-PE" sz="2000" b="1" dirty="0" smtClean="0">
+                <a:solidFill>
+                  <a:schemeClr val="tx1">
+                    <a:lumMod val="95000"/>
+                    <a:lumOff val="5000"/>
+                  </a:schemeClr>
+                </a:solidFill>
+                <a:cs typeface="Times New Roman" pitchFamily="18" charset="0"/>
+              </a:rPr>
+              <a:t>9</a:t>
+            </a:r>
+            <a:endParaRPr lang="es-PE" sz="2000" b="1" dirty="0" smtClean="0">
+              <a:solidFill>
+                <a:schemeClr val="tx1">
+                  <a:lumMod val="95000"/>
+                  <a:lumOff val="5000"/>
+                </a:schemeClr>
+              </a:solidFill>
+              <a:cs typeface="Times New Roman" pitchFamily="18" charset="0"/>
+            </a:endParaRPr>
           </a:p>
           <a:p>
             <a:pPr algn="l"/>
@@ -46450,11 +46519,7 @@
             </a:pPr>
             <a:r>
               <a:rPr lang="es-PE" sz="2000" b="1" dirty="0" smtClean="0"/>
-              <a:t>ACTAS </a:t>
-            </a:r>
-            <a:r>
-              <a:rPr lang="es-PE" sz="2000" b="1" dirty="0" smtClean="0"/>
-              <a:t>DE ACEPTACIÓN</a:t>
+              <a:t>ACTAS DE ACEPTACIÓN</a:t>
             </a:r>
             <a:endParaRPr lang="es-PE" sz="2000" b="1" dirty="0"/>
           </a:p>
@@ -46727,11 +46792,7 @@
             </a:pPr>
             <a:r>
               <a:rPr lang="es-PE" sz="2000" b="1" dirty="0" smtClean="0"/>
-              <a:t>ACTAS </a:t>
-            </a:r>
-            <a:r>
-              <a:rPr lang="es-PE" sz="2000" b="1" dirty="0" smtClean="0"/>
-              <a:t>DE ACEPTACIÓN</a:t>
+              <a:t>ACTAS DE ACEPTACIÓN</a:t>
             </a:r>
             <a:endParaRPr lang="es-PE" sz="2000" b="1" dirty="0"/>
           </a:p>
@@ -48140,7 +48201,7 @@
           <p:nvPr>
             <p:extLst>
               <p:ext uri="{D42A27DB-BD31-4B8C-83A1-F6EECF244321}">
-                <p14:modId xmlns:p14="http://schemas.microsoft.com/office/powerpoint/2010/main" val="3704197071"/>
+                <p14:modId xmlns:p14="http://schemas.microsoft.com/office/powerpoint/2010/main" val="2493282554"/>
               </p:ext>
             </p:extLst>
           </p:nvPr>
